--- a/05.기획팀 문서/김효진/스테이지3VPS.pptx
+++ b/05.기획팀 문서/김효진/스테이지3VPS.pptx
@@ -5,12 +5,10 @@
     <p:sldMasterId id="2147483648" r:id="rId1"/>
   </p:sldMasterIdLst>
   <p:sldIdLst>
-    <p:sldId id="258" r:id="rId2"/>
-    <p:sldId id="256" r:id="rId3"/>
-    <p:sldId id="257" r:id="rId4"/>
-    <p:sldId id="259" r:id="rId5"/>
-    <p:sldId id="260" r:id="rId6"/>
-    <p:sldId id="261" r:id="rId7"/>
+    <p:sldId id="259" r:id="rId2"/>
+    <p:sldId id="262" r:id="rId3"/>
+    <p:sldId id="260" r:id="rId4"/>
+    <p:sldId id="261" r:id="rId5"/>
   </p:sldIdLst>
   <p:sldSz cx="12192000" cy="6858000"/>
   <p:notesSz cx="6858000" cy="9144000"/>
@@ -159,10 +157,9 @@
           </a:lstStyle>
           <a:p>
             <a:r>
-              <a:rPr lang="ko-KR" altLang="en-US" smtClean="0"/>
+              <a:rPr lang="ko-KR" altLang="en-US"/>
               <a:t>마스터 제목 스타일 편집</a:t>
             </a:r>
-            <a:endParaRPr lang="ko-KR" altLang="en-US"/>
           </a:p>
         </p:txBody>
       </p:sp>
@@ -224,10 +221,9 @@
           </a:lstStyle>
           <a:p>
             <a:r>
-              <a:rPr lang="ko-KR" altLang="en-US" smtClean="0"/>
+              <a:rPr lang="ko-KR" altLang="en-US"/>
               <a:t>클릭하여 마스터 부제목 스타일 편집</a:t>
             </a:r>
-            <a:endParaRPr lang="ko-KR" altLang="en-US"/>
           </a:p>
         </p:txBody>
       </p:sp>
@@ -248,7 +244,7 @@
           <a:p>
             <a:fld id="{E6667F4A-50AC-4468-A07B-D4523A7ED381}" type="datetimeFigureOut">
               <a:rPr lang="ko-KR" altLang="en-US" smtClean="0"/>
-              <a:t>2022-11-11</a:t>
+              <a:t>2022-11-14</a:t>
             </a:fld>
             <a:endParaRPr lang="ko-KR" altLang="en-US"/>
           </a:p>
@@ -342,10 +338,9 @@
           <a:lstStyle/>
           <a:p>
             <a:r>
-              <a:rPr lang="ko-KR" altLang="en-US" smtClean="0"/>
+              <a:rPr lang="ko-KR" altLang="en-US"/>
               <a:t>마스터 제목 스타일 편집</a:t>
             </a:r>
-            <a:endParaRPr lang="ko-KR" altLang="en-US"/>
           </a:p>
         </p:txBody>
       </p:sp>
@@ -366,38 +361,37 @@
           <a:p>
             <a:pPr lvl="0"/>
             <a:r>
-              <a:rPr lang="ko-KR" altLang="en-US" smtClean="0"/>
+              <a:rPr lang="ko-KR" altLang="en-US"/>
               <a:t>마스터 텍스트 스타일 편집</a:t>
             </a:r>
           </a:p>
           <a:p>
             <a:pPr lvl="1"/>
             <a:r>
-              <a:rPr lang="ko-KR" altLang="en-US" smtClean="0"/>
+              <a:rPr lang="ko-KR" altLang="en-US"/>
               <a:t>둘째 수준</a:t>
             </a:r>
           </a:p>
           <a:p>
             <a:pPr lvl="2"/>
             <a:r>
-              <a:rPr lang="ko-KR" altLang="en-US" smtClean="0"/>
+              <a:rPr lang="ko-KR" altLang="en-US"/>
               <a:t>셋째 수준</a:t>
             </a:r>
           </a:p>
           <a:p>
             <a:pPr lvl="3"/>
             <a:r>
-              <a:rPr lang="ko-KR" altLang="en-US" smtClean="0"/>
+              <a:rPr lang="ko-KR" altLang="en-US"/>
               <a:t>넷째 수준</a:t>
             </a:r>
           </a:p>
           <a:p>
             <a:pPr lvl="4"/>
             <a:r>
-              <a:rPr lang="ko-KR" altLang="en-US" smtClean="0"/>
+              <a:rPr lang="ko-KR" altLang="en-US"/>
               <a:t>다섯째 수준</a:t>
             </a:r>
-            <a:endParaRPr lang="ko-KR" altLang="en-US"/>
           </a:p>
         </p:txBody>
       </p:sp>
@@ -418,7 +412,7 @@
           <a:p>
             <a:fld id="{E6667F4A-50AC-4468-A07B-D4523A7ED381}" type="datetimeFigureOut">
               <a:rPr lang="ko-KR" altLang="en-US" smtClean="0"/>
-              <a:t>2022-11-11</a:t>
+              <a:t>2022-11-14</a:t>
             </a:fld>
             <a:endParaRPr lang="ko-KR" altLang="en-US"/>
           </a:p>
@@ -517,10 +511,9 @@
           <a:lstStyle/>
           <a:p>
             <a:r>
-              <a:rPr lang="ko-KR" altLang="en-US" smtClean="0"/>
+              <a:rPr lang="ko-KR" altLang="en-US"/>
               <a:t>마스터 제목 스타일 편집</a:t>
             </a:r>
-            <a:endParaRPr lang="ko-KR" altLang="en-US"/>
           </a:p>
         </p:txBody>
       </p:sp>
@@ -546,38 +539,37 @@
           <a:p>
             <a:pPr lvl="0"/>
             <a:r>
-              <a:rPr lang="ko-KR" altLang="en-US" smtClean="0"/>
+              <a:rPr lang="ko-KR" altLang="en-US"/>
               <a:t>마스터 텍스트 스타일 편집</a:t>
             </a:r>
           </a:p>
           <a:p>
             <a:pPr lvl="1"/>
             <a:r>
-              <a:rPr lang="ko-KR" altLang="en-US" smtClean="0"/>
+              <a:rPr lang="ko-KR" altLang="en-US"/>
               <a:t>둘째 수준</a:t>
             </a:r>
           </a:p>
           <a:p>
             <a:pPr lvl="2"/>
             <a:r>
-              <a:rPr lang="ko-KR" altLang="en-US" smtClean="0"/>
+              <a:rPr lang="ko-KR" altLang="en-US"/>
               <a:t>셋째 수준</a:t>
             </a:r>
           </a:p>
           <a:p>
             <a:pPr lvl="3"/>
             <a:r>
-              <a:rPr lang="ko-KR" altLang="en-US" smtClean="0"/>
+              <a:rPr lang="ko-KR" altLang="en-US"/>
               <a:t>넷째 수준</a:t>
             </a:r>
           </a:p>
           <a:p>
             <a:pPr lvl="4"/>
             <a:r>
-              <a:rPr lang="ko-KR" altLang="en-US" smtClean="0"/>
+              <a:rPr lang="ko-KR" altLang="en-US"/>
               <a:t>다섯째 수준</a:t>
             </a:r>
-            <a:endParaRPr lang="ko-KR" altLang="en-US"/>
           </a:p>
         </p:txBody>
       </p:sp>
@@ -598,7 +590,7 @@
           <a:p>
             <a:fld id="{E6667F4A-50AC-4468-A07B-D4523A7ED381}" type="datetimeFigureOut">
               <a:rPr lang="ko-KR" altLang="en-US" smtClean="0"/>
-              <a:t>2022-11-11</a:t>
+              <a:t>2022-11-14</a:t>
             </a:fld>
             <a:endParaRPr lang="ko-KR" altLang="en-US"/>
           </a:p>
@@ -692,10 +684,9 @@
           <a:lstStyle/>
           <a:p>
             <a:r>
-              <a:rPr lang="ko-KR" altLang="en-US" smtClean="0"/>
+              <a:rPr lang="ko-KR" altLang="en-US"/>
               <a:t>마스터 제목 스타일 편집</a:t>
             </a:r>
-            <a:endParaRPr lang="ko-KR" altLang="en-US"/>
           </a:p>
         </p:txBody>
       </p:sp>
@@ -716,38 +707,37 @@
           <a:p>
             <a:pPr lvl="0"/>
             <a:r>
-              <a:rPr lang="ko-KR" altLang="en-US" smtClean="0"/>
+              <a:rPr lang="ko-KR" altLang="en-US"/>
               <a:t>마스터 텍스트 스타일 편집</a:t>
             </a:r>
           </a:p>
           <a:p>
             <a:pPr lvl="1"/>
             <a:r>
-              <a:rPr lang="ko-KR" altLang="en-US" smtClean="0"/>
+              <a:rPr lang="ko-KR" altLang="en-US"/>
               <a:t>둘째 수준</a:t>
             </a:r>
           </a:p>
           <a:p>
             <a:pPr lvl="2"/>
             <a:r>
-              <a:rPr lang="ko-KR" altLang="en-US" smtClean="0"/>
+              <a:rPr lang="ko-KR" altLang="en-US"/>
               <a:t>셋째 수준</a:t>
             </a:r>
           </a:p>
           <a:p>
             <a:pPr lvl="3"/>
             <a:r>
-              <a:rPr lang="ko-KR" altLang="en-US" smtClean="0"/>
+              <a:rPr lang="ko-KR" altLang="en-US"/>
               <a:t>넷째 수준</a:t>
             </a:r>
           </a:p>
           <a:p>
             <a:pPr lvl="4"/>
             <a:r>
-              <a:rPr lang="ko-KR" altLang="en-US" smtClean="0"/>
+              <a:rPr lang="ko-KR" altLang="en-US"/>
               <a:t>다섯째 수준</a:t>
             </a:r>
-            <a:endParaRPr lang="ko-KR" altLang="en-US"/>
           </a:p>
         </p:txBody>
       </p:sp>
@@ -768,7 +758,7 @@
           <a:p>
             <a:fld id="{E6667F4A-50AC-4468-A07B-D4523A7ED381}" type="datetimeFigureOut">
               <a:rPr lang="ko-KR" altLang="en-US" smtClean="0"/>
-              <a:t>2022-11-11</a:t>
+              <a:t>2022-11-14</a:t>
             </a:fld>
             <a:endParaRPr lang="ko-KR" altLang="en-US"/>
           </a:p>
@@ -871,10 +861,9 @@
           </a:lstStyle>
           <a:p>
             <a:r>
-              <a:rPr lang="ko-KR" altLang="en-US" smtClean="0"/>
+              <a:rPr lang="ko-KR" altLang="en-US"/>
               <a:t>마스터 제목 스타일 편집</a:t>
             </a:r>
-            <a:endParaRPr lang="ko-KR" altLang="en-US"/>
           </a:p>
         </p:txBody>
       </p:sp>
@@ -991,7 +980,7 @@
           <a:p>
             <a:pPr lvl="0"/>
             <a:r>
-              <a:rPr lang="ko-KR" altLang="en-US" smtClean="0"/>
+              <a:rPr lang="ko-KR" altLang="en-US"/>
               <a:t>마스터 텍스트 스타일 편집</a:t>
             </a:r>
           </a:p>
@@ -1014,7 +1003,7 @@
           <a:p>
             <a:fld id="{E6667F4A-50AC-4468-A07B-D4523A7ED381}" type="datetimeFigureOut">
               <a:rPr lang="ko-KR" altLang="en-US" smtClean="0"/>
-              <a:t>2022-11-11</a:t>
+              <a:t>2022-11-14</a:t>
             </a:fld>
             <a:endParaRPr lang="ko-KR" altLang="en-US"/>
           </a:p>
@@ -1108,10 +1097,9 @@
           <a:lstStyle/>
           <a:p>
             <a:r>
-              <a:rPr lang="ko-KR" altLang="en-US" smtClean="0"/>
+              <a:rPr lang="ko-KR" altLang="en-US"/>
               <a:t>마스터 제목 스타일 편집</a:t>
             </a:r>
-            <a:endParaRPr lang="ko-KR" altLang="en-US"/>
           </a:p>
         </p:txBody>
       </p:sp>
@@ -1137,38 +1125,37 @@
           <a:p>
             <a:pPr lvl="0"/>
             <a:r>
-              <a:rPr lang="ko-KR" altLang="en-US" smtClean="0"/>
+              <a:rPr lang="ko-KR" altLang="en-US"/>
               <a:t>마스터 텍스트 스타일 편집</a:t>
             </a:r>
           </a:p>
           <a:p>
             <a:pPr lvl="1"/>
             <a:r>
-              <a:rPr lang="ko-KR" altLang="en-US" smtClean="0"/>
+              <a:rPr lang="ko-KR" altLang="en-US"/>
               <a:t>둘째 수준</a:t>
             </a:r>
           </a:p>
           <a:p>
             <a:pPr lvl="2"/>
             <a:r>
-              <a:rPr lang="ko-KR" altLang="en-US" smtClean="0"/>
+              <a:rPr lang="ko-KR" altLang="en-US"/>
               <a:t>셋째 수준</a:t>
             </a:r>
           </a:p>
           <a:p>
             <a:pPr lvl="3"/>
             <a:r>
-              <a:rPr lang="ko-KR" altLang="en-US" smtClean="0"/>
+              <a:rPr lang="ko-KR" altLang="en-US"/>
               <a:t>넷째 수준</a:t>
             </a:r>
           </a:p>
           <a:p>
             <a:pPr lvl="4"/>
             <a:r>
-              <a:rPr lang="ko-KR" altLang="en-US" smtClean="0"/>
+              <a:rPr lang="ko-KR" altLang="en-US"/>
               <a:t>다섯째 수준</a:t>
             </a:r>
-            <a:endParaRPr lang="ko-KR" altLang="en-US"/>
           </a:p>
         </p:txBody>
       </p:sp>
@@ -1194,38 +1181,37 @@
           <a:p>
             <a:pPr lvl="0"/>
             <a:r>
-              <a:rPr lang="ko-KR" altLang="en-US" smtClean="0"/>
+              <a:rPr lang="ko-KR" altLang="en-US"/>
               <a:t>마스터 텍스트 스타일 편집</a:t>
             </a:r>
           </a:p>
           <a:p>
             <a:pPr lvl="1"/>
             <a:r>
-              <a:rPr lang="ko-KR" altLang="en-US" smtClean="0"/>
+              <a:rPr lang="ko-KR" altLang="en-US"/>
               <a:t>둘째 수준</a:t>
             </a:r>
           </a:p>
           <a:p>
             <a:pPr lvl="2"/>
             <a:r>
-              <a:rPr lang="ko-KR" altLang="en-US" smtClean="0"/>
+              <a:rPr lang="ko-KR" altLang="en-US"/>
               <a:t>셋째 수준</a:t>
             </a:r>
           </a:p>
           <a:p>
             <a:pPr lvl="3"/>
             <a:r>
-              <a:rPr lang="ko-KR" altLang="en-US" smtClean="0"/>
+              <a:rPr lang="ko-KR" altLang="en-US"/>
               <a:t>넷째 수준</a:t>
             </a:r>
           </a:p>
           <a:p>
             <a:pPr lvl="4"/>
             <a:r>
-              <a:rPr lang="ko-KR" altLang="en-US" smtClean="0"/>
+              <a:rPr lang="ko-KR" altLang="en-US"/>
               <a:t>다섯째 수준</a:t>
             </a:r>
-            <a:endParaRPr lang="ko-KR" altLang="en-US"/>
           </a:p>
         </p:txBody>
       </p:sp>
@@ -1246,7 +1232,7 @@
           <a:p>
             <a:fld id="{E6667F4A-50AC-4468-A07B-D4523A7ED381}" type="datetimeFigureOut">
               <a:rPr lang="ko-KR" altLang="en-US" smtClean="0"/>
-              <a:t>2022-11-11</a:t>
+              <a:t>2022-11-14</a:t>
             </a:fld>
             <a:endParaRPr lang="ko-KR" altLang="en-US"/>
           </a:p>
@@ -1345,10 +1331,9 @@
           <a:lstStyle/>
           <a:p>
             <a:r>
-              <a:rPr lang="ko-KR" altLang="en-US" smtClean="0"/>
+              <a:rPr lang="ko-KR" altLang="en-US"/>
               <a:t>마스터 제목 스타일 편집</a:t>
             </a:r>
-            <a:endParaRPr lang="ko-KR" altLang="en-US"/>
           </a:p>
         </p:txBody>
       </p:sp>
@@ -1411,7 +1396,7 @@
           <a:p>
             <a:pPr lvl="0"/>
             <a:r>
-              <a:rPr lang="ko-KR" altLang="en-US" smtClean="0"/>
+              <a:rPr lang="ko-KR" altLang="en-US"/>
               <a:t>마스터 텍스트 스타일 편집</a:t>
             </a:r>
           </a:p>
@@ -1439,38 +1424,37 @@
           <a:p>
             <a:pPr lvl="0"/>
             <a:r>
-              <a:rPr lang="ko-KR" altLang="en-US" smtClean="0"/>
+              <a:rPr lang="ko-KR" altLang="en-US"/>
               <a:t>마스터 텍스트 스타일 편집</a:t>
             </a:r>
           </a:p>
           <a:p>
             <a:pPr lvl="1"/>
             <a:r>
-              <a:rPr lang="ko-KR" altLang="en-US" smtClean="0"/>
+              <a:rPr lang="ko-KR" altLang="en-US"/>
               <a:t>둘째 수준</a:t>
             </a:r>
           </a:p>
           <a:p>
             <a:pPr lvl="2"/>
             <a:r>
-              <a:rPr lang="ko-KR" altLang="en-US" smtClean="0"/>
+              <a:rPr lang="ko-KR" altLang="en-US"/>
               <a:t>셋째 수준</a:t>
             </a:r>
           </a:p>
           <a:p>
             <a:pPr lvl="3"/>
             <a:r>
-              <a:rPr lang="ko-KR" altLang="en-US" smtClean="0"/>
+              <a:rPr lang="ko-KR" altLang="en-US"/>
               <a:t>넷째 수준</a:t>
             </a:r>
           </a:p>
           <a:p>
             <a:pPr lvl="4"/>
             <a:r>
-              <a:rPr lang="ko-KR" altLang="en-US" smtClean="0"/>
+              <a:rPr lang="ko-KR" altLang="en-US"/>
               <a:t>다섯째 수준</a:t>
             </a:r>
-            <a:endParaRPr lang="ko-KR" altLang="en-US"/>
           </a:p>
         </p:txBody>
       </p:sp>
@@ -1533,7 +1517,7 @@
           <a:p>
             <a:pPr lvl="0"/>
             <a:r>
-              <a:rPr lang="ko-KR" altLang="en-US" smtClean="0"/>
+              <a:rPr lang="ko-KR" altLang="en-US"/>
               <a:t>마스터 텍스트 스타일 편집</a:t>
             </a:r>
           </a:p>
@@ -1561,38 +1545,37 @@
           <a:p>
             <a:pPr lvl="0"/>
             <a:r>
-              <a:rPr lang="ko-KR" altLang="en-US" smtClean="0"/>
+              <a:rPr lang="ko-KR" altLang="en-US"/>
               <a:t>마스터 텍스트 스타일 편집</a:t>
             </a:r>
           </a:p>
           <a:p>
             <a:pPr lvl="1"/>
             <a:r>
-              <a:rPr lang="ko-KR" altLang="en-US" smtClean="0"/>
+              <a:rPr lang="ko-KR" altLang="en-US"/>
               <a:t>둘째 수준</a:t>
             </a:r>
           </a:p>
           <a:p>
             <a:pPr lvl="2"/>
             <a:r>
-              <a:rPr lang="ko-KR" altLang="en-US" smtClean="0"/>
+              <a:rPr lang="ko-KR" altLang="en-US"/>
               <a:t>셋째 수준</a:t>
             </a:r>
           </a:p>
           <a:p>
             <a:pPr lvl="3"/>
             <a:r>
-              <a:rPr lang="ko-KR" altLang="en-US" smtClean="0"/>
+              <a:rPr lang="ko-KR" altLang="en-US"/>
               <a:t>넷째 수준</a:t>
             </a:r>
           </a:p>
           <a:p>
             <a:pPr lvl="4"/>
             <a:r>
-              <a:rPr lang="ko-KR" altLang="en-US" smtClean="0"/>
+              <a:rPr lang="ko-KR" altLang="en-US"/>
               <a:t>다섯째 수준</a:t>
             </a:r>
-            <a:endParaRPr lang="ko-KR" altLang="en-US"/>
           </a:p>
         </p:txBody>
       </p:sp>
@@ -1613,7 +1596,7 @@
           <a:p>
             <a:fld id="{E6667F4A-50AC-4468-A07B-D4523A7ED381}" type="datetimeFigureOut">
               <a:rPr lang="ko-KR" altLang="en-US" smtClean="0"/>
-              <a:t>2022-11-11</a:t>
+              <a:t>2022-11-14</a:t>
             </a:fld>
             <a:endParaRPr lang="ko-KR" altLang="en-US"/>
           </a:p>
@@ -1707,10 +1690,9 @@
           <a:lstStyle/>
           <a:p>
             <a:r>
-              <a:rPr lang="ko-KR" altLang="en-US" smtClean="0"/>
+              <a:rPr lang="ko-KR" altLang="en-US"/>
               <a:t>마스터 제목 스타일 편집</a:t>
             </a:r>
-            <a:endParaRPr lang="ko-KR" altLang="en-US"/>
           </a:p>
         </p:txBody>
       </p:sp>
@@ -1731,7 +1713,7 @@
           <a:p>
             <a:fld id="{E6667F4A-50AC-4468-A07B-D4523A7ED381}" type="datetimeFigureOut">
               <a:rPr lang="ko-KR" altLang="en-US" smtClean="0"/>
-              <a:t>2022-11-11</a:t>
+              <a:t>2022-11-14</a:t>
             </a:fld>
             <a:endParaRPr lang="ko-KR" altLang="en-US"/>
           </a:p>
@@ -1826,7 +1808,7 @@
           <a:p>
             <a:fld id="{E6667F4A-50AC-4468-A07B-D4523A7ED381}" type="datetimeFigureOut">
               <a:rPr lang="ko-KR" altLang="en-US" smtClean="0"/>
-              <a:t>2022-11-11</a:t>
+              <a:t>2022-11-14</a:t>
             </a:fld>
             <a:endParaRPr lang="ko-KR" altLang="en-US"/>
           </a:p>
@@ -1929,10 +1911,9 @@
           </a:lstStyle>
           <a:p>
             <a:r>
-              <a:rPr lang="ko-KR" altLang="en-US" smtClean="0"/>
+              <a:rPr lang="ko-KR" altLang="en-US"/>
               <a:t>마스터 제목 스타일 편집</a:t>
             </a:r>
-            <a:endParaRPr lang="ko-KR" altLang="en-US"/>
           </a:p>
         </p:txBody>
       </p:sp>
@@ -1986,38 +1967,37 @@
           <a:p>
             <a:pPr lvl="0"/>
             <a:r>
-              <a:rPr lang="ko-KR" altLang="en-US" smtClean="0"/>
+              <a:rPr lang="ko-KR" altLang="en-US"/>
               <a:t>마스터 텍스트 스타일 편집</a:t>
             </a:r>
           </a:p>
           <a:p>
             <a:pPr lvl="1"/>
             <a:r>
-              <a:rPr lang="ko-KR" altLang="en-US" smtClean="0"/>
+              <a:rPr lang="ko-KR" altLang="en-US"/>
               <a:t>둘째 수준</a:t>
             </a:r>
           </a:p>
           <a:p>
             <a:pPr lvl="2"/>
             <a:r>
-              <a:rPr lang="ko-KR" altLang="en-US" smtClean="0"/>
+              <a:rPr lang="ko-KR" altLang="en-US"/>
               <a:t>셋째 수준</a:t>
             </a:r>
           </a:p>
           <a:p>
             <a:pPr lvl="3"/>
             <a:r>
-              <a:rPr lang="ko-KR" altLang="en-US" smtClean="0"/>
+              <a:rPr lang="ko-KR" altLang="en-US"/>
               <a:t>넷째 수준</a:t>
             </a:r>
           </a:p>
           <a:p>
             <a:pPr lvl="4"/>
             <a:r>
-              <a:rPr lang="ko-KR" altLang="en-US" smtClean="0"/>
+              <a:rPr lang="ko-KR" altLang="en-US"/>
               <a:t>다섯째 수준</a:t>
             </a:r>
-            <a:endParaRPr lang="ko-KR" altLang="en-US"/>
           </a:p>
         </p:txBody>
       </p:sp>
@@ -2080,7 +2060,7 @@
           <a:p>
             <a:pPr lvl="0"/>
             <a:r>
-              <a:rPr lang="ko-KR" altLang="en-US" smtClean="0"/>
+              <a:rPr lang="ko-KR" altLang="en-US"/>
               <a:t>마스터 텍스트 스타일 편집</a:t>
             </a:r>
           </a:p>
@@ -2103,7 +2083,7 @@
           <a:p>
             <a:fld id="{E6667F4A-50AC-4468-A07B-D4523A7ED381}" type="datetimeFigureOut">
               <a:rPr lang="ko-KR" altLang="en-US" smtClean="0"/>
-              <a:t>2022-11-11</a:t>
+              <a:t>2022-11-14</a:t>
             </a:fld>
             <a:endParaRPr lang="ko-KR" altLang="en-US"/>
           </a:p>
@@ -2206,10 +2186,9 @@
           </a:lstStyle>
           <a:p>
             <a:r>
-              <a:rPr lang="ko-KR" altLang="en-US" smtClean="0"/>
+              <a:rPr lang="ko-KR" altLang="en-US"/>
               <a:t>마스터 제목 스타일 편집</a:t>
             </a:r>
-            <a:endParaRPr lang="ko-KR" altLang="en-US"/>
           </a:p>
         </p:txBody>
       </p:sp>
@@ -2333,7 +2312,7 @@
           <a:p>
             <a:pPr lvl="0"/>
             <a:r>
-              <a:rPr lang="ko-KR" altLang="en-US" smtClean="0"/>
+              <a:rPr lang="ko-KR" altLang="en-US"/>
               <a:t>마스터 텍스트 스타일 편집</a:t>
             </a:r>
           </a:p>
@@ -2356,7 +2335,7 @@
           <a:p>
             <a:fld id="{E6667F4A-50AC-4468-A07B-D4523A7ED381}" type="datetimeFigureOut">
               <a:rPr lang="ko-KR" altLang="en-US" smtClean="0"/>
-              <a:t>2022-11-11</a:t>
+              <a:t>2022-11-14</a:t>
             </a:fld>
             <a:endParaRPr lang="ko-KR" altLang="en-US"/>
           </a:p>
@@ -2465,10 +2444,9 @@
           <a:lstStyle/>
           <a:p>
             <a:r>
-              <a:rPr lang="ko-KR" altLang="en-US" smtClean="0"/>
+              <a:rPr lang="ko-KR" altLang="en-US"/>
               <a:t>마스터 제목 스타일 편집</a:t>
             </a:r>
-            <a:endParaRPr lang="ko-KR" altLang="en-US"/>
           </a:p>
         </p:txBody>
       </p:sp>
@@ -2499,38 +2477,37 @@
           <a:p>
             <a:pPr lvl="0"/>
             <a:r>
-              <a:rPr lang="ko-KR" altLang="en-US" smtClean="0"/>
+              <a:rPr lang="ko-KR" altLang="en-US"/>
               <a:t>마스터 텍스트 스타일 편집</a:t>
             </a:r>
           </a:p>
           <a:p>
             <a:pPr lvl="1"/>
             <a:r>
-              <a:rPr lang="ko-KR" altLang="en-US" smtClean="0"/>
+              <a:rPr lang="ko-KR" altLang="en-US"/>
               <a:t>둘째 수준</a:t>
             </a:r>
           </a:p>
           <a:p>
             <a:pPr lvl="2"/>
             <a:r>
-              <a:rPr lang="ko-KR" altLang="en-US" smtClean="0"/>
+              <a:rPr lang="ko-KR" altLang="en-US"/>
               <a:t>셋째 수준</a:t>
             </a:r>
           </a:p>
           <a:p>
             <a:pPr lvl="3"/>
             <a:r>
-              <a:rPr lang="ko-KR" altLang="en-US" smtClean="0"/>
+              <a:rPr lang="ko-KR" altLang="en-US"/>
               <a:t>넷째 수준</a:t>
             </a:r>
           </a:p>
           <a:p>
             <a:pPr lvl="4"/>
             <a:r>
-              <a:rPr lang="ko-KR" altLang="en-US" smtClean="0"/>
+              <a:rPr lang="ko-KR" altLang="en-US"/>
               <a:t>다섯째 수준</a:t>
             </a:r>
-            <a:endParaRPr lang="ko-KR" altLang="en-US"/>
           </a:p>
         </p:txBody>
       </p:sp>
@@ -2569,7 +2546,7 @@
           <a:p>
             <a:fld id="{E6667F4A-50AC-4468-A07B-D4523A7ED381}" type="datetimeFigureOut">
               <a:rPr lang="ko-KR" altLang="en-US" smtClean="0"/>
-              <a:t>2022-11-11</a:t>
+              <a:t>2022-11-14</a:t>
             </a:fld>
             <a:endParaRPr lang="ko-KR" altLang="en-US"/>
           </a:p>
@@ -2974,40 +2951,116 @@
           <a:chExt cx="0" cy="0"/>
         </a:xfrm>
       </p:grpSpPr>
-      <p:pic>
-        <p:nvPicPr>
-          <p:cNvPr id="2" name="그림 1"/>
-          <p:cNvPicPr>
-            <a:picLocks noChangeAspect="1"/>
-          </p:cNvPicPr>
+      <p:sp>
+        <p:nvSpPr>
+          <p:cNvPr id="2" name="직사각형 1"/>
+          <p:cNvSpPr/>
           <p:nvPr/>
-        </p:nvPicPr>
-        <p:blipFill>
-          <a:blip r:embed="rId2">
-            <a:extLst>
-              <a:ext uri="{28A0092B-C50C-407E-A947-70E740481C1C}">
-                <a14:useLocalDpi xmlns:a14="http://schemas.microsoft.com/office/drawing/2010/main" val="0"/>
-              </a:ext>
-            </a:extLst>
-          </a:blip>
-          <a:stretch>
-            <a:fillRect/>
-          </a:stretch>
-        </p:blipFill>
+        </p:nvSpPr>
         <p:spPr>
           <a:xfrm>
-            <a:off x="396815" y="122086"/>
-            <a:ext cx="11059064" cy="6046190"/>
+            <a:off x="3048000" y="2274838"/>
+            <a:ext cx="6096000" cy="2585323"/>
           </a:xfrm>
           <a:prstGeom prst="rect">
             <a:avLst/>
           </a:prstGeom>
         </p:spPr>
-      </p:pic>
+        <p:txBody>
+          <a:bodyPr>
+            <a:spAutoFit/>
+          </a:bodyPr>
+          <a:lstStyle/>
+          <a:p>
+            <a:r>
+              <a:rPr lang="ko-KR" altLang="en-US" dirty="0"/>
+              <a:t>4스테이지</a:t>
+            </a:r>
+          </a:p>
+          <a:p>
+            <a:r>
+              <a:rPr lang="ko-KR" altLang="en-US" dirty="0"/>
+              <a:t>영화관: </a:t>
+            </a:r>
+            <a:r>
+              <a:rPr lang="ko-KR" altLang="en-US" dirty="0" err="1"/>
+              <a:t>수장시키는</a:t>
+            </a:r>
+            <a:r>
+              <a:rPr lang="ko-KR" altLang="en-US" dirty="0"/>
+              <a:t> </a:t>
+            </a:r>
+            <a:r>
+              <a:rPr lang="ko-KR" altLang="en-US" dirty="0" err="1"/>
+              <a:t>VPS연출</a:t>
+            </a:r>
+            <a:r>
+              <a:rPr lang="ko-KR" altLang="en-US" dirty="0"/>
+              <a:t>/ 나는 바다생물 </a:t>
+            </a:r>
+            <a:r>
+              <a:rPr lang="ko-KR" altLang="en-US" dirty="0" err="1"/>
+              <a:t>처럼</a:t>
+            </a:r>
+            <a:r>
+              <a:rPr lang="ko-KR" altLang="en-US" dirty="0"/>
+              <a:t> 어디든 갈 수 있는 자유로운 존재가 </a:t>
+            </a:r>
+            <a:r>
+              <a:rPr lang="ko-KR" altLang="en-US" dirty="0" err="1"/>
+              <a:t>되고싶고</a:t>
+            </a:r>
+            <a:r>
+              <a:rPr lang="ko-KR" altLang="en-US" dirty="0"/>
+              <a:t> 한국이 그런 곳처럼 느껴졌다고 말함</a:t>
+            </a:r>
+          </a:p>
+          <a:p>
+            <a:r>
+              <a:rPr lang="ko-KR" altLang="en-US" dirty="0" err="1"/>
+              <a:t>쭈꾸미거리</a:t>
+            </a:r>
+            <a:r>
+              <a:rPr lang="ko-KR" altLang="en-US" dirty="0"/>
+              <a:t>: 방명록/ 아버지가 어두운 과거를 거쳐간 곳이지만 난 </a:t>
+            </a:r>
+            <a:r>
+              <a:rPr lang="ko-KR" altLang="en-US" dirty="0" err="1"/>
+              <a:t>새역사를</a:t>
+            </a:r>
+            <a:r>
+              <a:rPr lang="ko-KR" altLang="en-US" dirty="0"/>
+              <a:t> 쓰겠다고 말함</a:t>
+            </a:r>
+          </a:p>
+          <a:p>
+            <a:r>
+              <a:rPr lang="ko-KR" altLang="en-US" dirty="0" err="1"/>
+              <a:t>베스킨라빈스</a:t>
+            </a:r>
+            <a:r>
+              <a:rPr lang="ko-KR" altLang="en-US" dirty="0"/>
+              <a:t>: 취향 고르기/ </a:t>
+            </a:r>
+            <a:r>
+              <a:rPr lang="ko-KR" altLang="en-US" dirty="0" err="1"/>
+              <a:t>후식먹으러감</a:t>
+            </a:r>
+            <a:r>
+              <a:rPr lang="ko-KR" altLang="en-US" dirty="0"/>
+              <a:t> 그리고 뭔가 하고싶다고 말하는데....</a:t>
+            </a:r>
+            <a:endParaRPr lang="en-US" altLang="ko-KR" dirty="0"/>
+          </a:p>
+          <a:p>
+            <a:endParaRPr lang="ko-KR" altLang="en-US" dirty="0"/>
+          </a:p>
+        </p:txBody>
+      </p:sp>
     </p:spTree>
     <p:extLst>
       <p:ext uri="{BB962C8B-B14F-4D97-AF65-F5344CB8AC3E}">
-        <p14:creationId xmlns:p14="http://schemas.microsoft.com/office/powerpoint/2010/main" val="3958738248"/>
+        <p14:creationId xmlns:p14="http://schemas.microsoft.com/office/powerpoint/2010/main" val="1447761192"/>
       </p:ext>
     </p:extLst>
   </p:cSld>
@@ -3036,7 +3089,13 @@
       </p:grpSpPr>
       <p:pic>
         <p:nvPicPr>
-          <p:cNvPr id="4" name="그림 3"/>
+          <p:cNvPr id="3" name="그림 2">
+            <a:extLst>
+              <a:ext uri="{FF2B5EF4-FFF2-40B4-BE49-F238E27FC236}">
+                <a16:creationId xmlns:a16="http://schemas.microsoft.com/office/drawing/2014/main" id="{C67E238B-A46E-FC31-D7DE-CA79A7C13767}"/>
+              </a:ext>
+            </a:extLst>
+          </p:cNvPr>
           <p:cNvPicPr>
             <a:picLocks noChangeAspect="1"/>
           </p:cNvPicPr>
@@ -3050,18 +3109,1779 @@
         </p:blipFill>
         <p:spPr>
           <a:xfrm>
-            <a:off x="1852062" y="1171306"/>
-            <a:ext cx="9067101" cy="4429394"/>
+            <a:off x="1536962" y="1751867"/>
+            <a:ext cx="8568413" cy="3140173"/>
           </a:xfrm>
           <a:prstGeom prst="rect">
             <a:avLst/>
           </a:prstGeom>
         </p:spPr>
       </p:pic>
+      <p:pic>
+        <p:nvPicPr>
+          <p:cNvPr id="10" name="Picture 4" descr="G마켓 - 왕바람개비 만들기 파랑 바람개비">
+            <a:extLst>
+              <a:ext uri="{FF2B5EF4-FFF2-40B4-BE49-F238E27FC236}">
+                <a16:creationId xmlns:a16="http://schemas.microsoft.com/office/drawing/2014/main" id="{B9258189-7CF6-5E42-AEAD-79FFE7B9BEBC}"/>
+              </a:ext>
+            </a:extLst>
+          </p:cNvPr>
+          <p:cNvPicPr>
+            <a:picLocks noChangeAspect="1" noChangeArrowheads="1"/>
+          </p:cNvPicPr>
+          <p:nvPr/>
+        </p:nvPicPr>
+        <p:blipFill>
+          <a:blip r:embed="rId3" cstate="print">
+            <a:extLst>
+              <a:ext uri="{BEBA8EAE-BF5A-486C-A8C5-ECC9F3942E4B}">
+                <a14:imgProps xmlns:a14="http://schemas.microsoft.com/office/drawing/2010/main">
+                  <a14:imgLayer r:embed="rId4">
+                    <a14:imgEffect>
+                      <a14:backgroundRemoval t="10000" b="90000" l="10000" r="90000"/>
+                    </a14:imgEffect>
+                  </a14:imgLayer>
+                </a14:imgProps>
+              </a:ext>
+              <a:ext uri="{28A0092B-C50C-407E-A947-70E740481C1C}">
+                <a14:useLocalDpi xmlns:a14="http://schemas.microsoft.com/office/drawing/2010/main" val="0"/>
+              </a:ext>
+            </a:extLst>
+          </a:blip>
+          <a:srcRect/>
+          <a:stretch>
+            <a:fillRect/>
+          </a:stretch>
+        </p:blipFill>
+        <p:spPr bwMode="auto">
+          <a:xfrm>
+            <a:off x="2673349" y="2213240"/>
+            <a:ext cx="1175653" cy="1175653"/>
+          </a:xfrm>
+          <a:prstGeom prst="rect">
+            <a:avLst/>
+          </a:prstGeom>
+          <a:noFill/>
+          <a:extLst>
+            <a:ext uri="{909E8E84-426E-40DD-AFC4-6F175D3DCCD1}">
+              <a14:hiddenFill xmlns:a14="http://schemas.microsoft.com/office/drawing/2010/main">
+                <a:solidFill>
+                  <a:srgbClr val="FFFFFF"/>
+                </a:solidFill>
+              </a14:hiddenFill>
+            </a:ext>
+          </a:extLst>
+        </p:spPr>
+      </p:pic>
+      <p:pic>
+        <p:nvPicPr>
+          <p:cNvPr id="11" name="Picture 2" descr="노리프렌즈 - PVC바람개비 38cm 왕바람개비만들기 DIY">
+            <a:extLst>
+              <a:ext uri="{FF2B5EF4-FFF2-40B4-BE49-F238E27FC236}">
+                <a16:creationId xmlns:a16="http://schemas.microsoft.com/office/drawing/2014/main" id="{6D5F5142-2305-78FA-D43E-D03239DFD2B9}"/>
+              </a:ext>
+            </a:extLst>
+          </p:cNvPr>
+          <p:cNvPicPr>
+            <a:picLocks noChangeAspect="1" noChangeArrowheads="1"/>
+          </p:cNvPicPr>
+          <p:nvPr/>
+        </p:nvPicPr>
+        <p:blipFill>
+          <a:blip r:embed="rId5" cstate="print">
+            <a:extLst>
+              <a:ext uri="{BEBA8EAE-BF5A-486C-A8C5-ECC9F3942E4B}">
+                <a14:imgProps xmlns:a14="http://schemas.microsoft.com/office/drawing/2010/main">
+                  <a14:imgLayer r:embed="rId6">
+                    <a14:imgEffect>
+                      <a14:backgroundRemoval t="10000" b="90000" l="10000" r="90000"/>
+                    </a14:imgEffect>
+                  </a14:imgLayer>
+                </a14:imgProps>
+              </a:ext>
+              <a:ext uri="{28A0092B-C50C-407E-A947-70E740481C1C}">
+                <a14:useLocalDpi xmlns:a14="http://schemas.microsoft.com/office/drawing/2010/main" val="0"/>
+              </a:ext>
+            </a:extLst>
+          </a:blip>
+          <a:srcRect/>
+          <a:stretch>
+            <a:fillRect/>
+          </a:stretch>
+        </p:blipFill>
+        <p:spPr bwMode="auto">
+          <a:xfrm>
+            <a:off x="3611196" y="2440790"/>
+            <a:ext cx="757604" cy="757604"/>
+          </a:xfrm>
+          <a:prstGeom prst="rect">
+            <a:avLst/>
+          </a:prstGeom>
+          <a:noFill/>
+          <a:extLst>
+            <a:ext uri="{909E8E84-426E-40DD-AFC4-6F175D3DCCD1}">
+              <a14:hiddenFill xmlns:a14="http://schemas.microsoft.com/office/drawing/2010/main">
+                <a:solidFill>
+                  <a:srgbClr val="FFFFFF"/>
+                </a:solidFill>
+              </a14:hiddenFill>
+            </a:ext>
+          </a:extLst>
+        </p:spPr>
+      </p:pic>
+      <p:pic>
+        <p:nvPicPr>
+          <p:cNvPr id="12" name="Picture 10" descr="바람개비70R노랑_앞/뒤 full 바탕색,날개지름70cm">
+            <a:extLst>
+              <a:ext uri="{FF2B5EF4-FFF2-40B4-BE49-F238E27FC236}">
+                <a16:creationId xmlns:a16="http://schemas.microsoft.com/office/drawing/2014/main" id="{E266348E-45C9-6FCB-279A-57A7A20D2077}"/>
+              </a:ext>
+            </a:extLst>
+          </p:cNvPr>
+          <p:cNvPicPr>
+            <a:picLocks noChangeAspect="1" noChangeArrowheads="1"/>
+          </p:cNvPicPr>
+          <p:nvPr/>
+        </p:nvPicPr>
+        <p:blipFill>
+          <a:blip r:embed="rId7" cstate="print">
+            <a:extLst>
+              <a:ext uri="{BEBA8EAE-BF5A-486C-A8C5-ECC9F3942E4B}">
+                <a14:imgProps xmlns:a14="http://schemas.microsoft.com/office/drawing/2010/main">
+                  <a14:imgLayer r:embed="rId8">
+                    <a14:imgEffect>
+                      <a14:backgroundRemoval t="4500" b="99833" l="10000" r="93667">
+                        <a14:foregroundMark x1="51333" y1="9833" x2="56667" y2="4500"/>
+                        <a14:foregroundMark x1="86500" y1="48833" x2="93833" y2="52167"/>
+                        <a14:foregroundMark x1="55667" y1="84167" x2="46500" y2="93500"/>
+                        <a14:foregroundMark x1="46500" y1="93500" x2="46500" y2="93667"/>
+                        <a14:foregroundMark x1="42833" y1="64667" x2="21833" y2="99833"/>
+                        <a14:foregroundMark x1="37500" y1="75167" x2="21167" y2="98833"/>
+                        <a14:foregroundMark x1="34833" y1="80833" x2="23000" y2="99833"/>
+                      </a14:backgroundRemoval>
+                    </a14:imgEffect>
+                  </a14:imgLayer>
+                </a14:imgProps>
+              </a:ext>
+              <a:ext uri="{28A0092B-C50C-407E-A947-70E740481C1C}">
+                <a14:useLocalDpi xmlns:a14="http://schemas.microsoft.com/office/drawing/2010/main" val="0"/>
+              </a:ext>
+            </a:extLst>
+          </a:blip>
+          <a:srcRect/>
+          <a:stretch>
+            <a:fillRect/>
+          </a:stretch>
+        </p:blipFill>
+        <p:spPr bwMode="auto">
+          <a:xfrm rot="19620439">
+            <a:off x="4330440" y="2212856"/>
+            <a:ext cx="855785" cy="855785"/>
+          </a:xfrm>
+          <a:prstGeom prst="rect">
+            <a:avLst/>
+          </a:prstGeom>
+          <a:noFill/>
+          <a:extLst>
+            <a:ext uri="{909E8E84-426E-40DD-AFC4-6F175D3DCCD1}">
+              <a14:hiddenFill xmlns:a14="http://schemas.microsoft.com/office/drawing/2010/main">
+                <a:solidFill>
+                  <a:srgbClr val="FFFFFF"/>
+                </a:solidFill>
+              </a14:hiddenFill>
+            </a:ext>
+          </a:extLst>
+        </p:spPr>
+      </p:pic>
+      <p:pic>
+        <p:nvPicPr>
+          <p:cNvPr id="13" name="Picture 6" descr="왕바람개비 만들기 보라 바람개비 - 옥션">
+            <a:extLst>
+              <a:ext uri="{FF2B5EF4-FFF2-40B4-BE49-F238E27FC236}">
+                <a16:creationId xmlns:a16="http://schemas.microsoft.com/office/drawing/2014/main" id="{1D3E5002-BF95-172E-621E-8E52285D76F6}"/>
+              </a:ext>
+            </a:extLst>
+          </p:cNvPr>
+          <p:cNvPicPr>
+            <a:picLocks noChangeAspect="1" noChangeArrowheads="1"/>
+          </p:cNvPicPr>
+          <p:nvPr/>
+        </p:nvPicPr>
+        <p:blipFill>
+          <a:blip r:embed="rId9" cstate="print">
+            <a:extLst>
+              <a:ext uri="{BEBA8EAE-BF5A-486C-A8C5-ECC9F3942E4B}">
+                <a14:imgProps xmlns:a14="http://schemas.microsoft.com/office/drawing/2010/main">
+                  <a14:imgLayer r:embed="rId10">
+                    <a14:imgEffect>
+                      <a14:backgroundRemoval t="10000" b="90000" l="10000" r="90000"/>
+                    </a14:imgEffect>
+                  </a14:imgLayer>
+                </a14:imgProps>
+              </a:ext>
+              <a:ext uri="{28A0092B-C50C-407E-A947-70E740481C1C}">
+                <a14:useLocalDpi xmlns:a14="http://schemas.microsoft.com/office/drawing/2010/main" val="0"/>
+              </a:ext>
+            </a:extLst>
+          </a:blip>
+          <a:srcRect/>
+          <a:stretch>
+            <a:fillRect/>
+          </a:stretch>
+        </p:blipFill>
+        <p:spPr bwMode="auto">
+          <a:xfrm>
+            <a:off x="5084029" y="2250291"/>
+            <a:ext cx="948103" cy="948103"/>
+          </a:xfrm>
+          <a:prstGeom prst="rect">
+            <a:avLst/>
+          </a:prstGeom>
+          <a:noFill/>
+          <a:extLst>
+            <a:ext uri="{909E8E84-426E-40DD-AFC4-6F175D3DCCD1}">
+              <a14:hiddenFill xmlns:a14="http://schemas.microsoft.com/office/drawing/2010/main">
+                <a:solidFill>
+                  <a:srgbClr val="FFFFFF"/>
+                </a:solidFill>
+              </a14:hiddenFill>
+            </a:ext>
+          </a:extLst>
+        </p:spPr>
+      </p:pic>
+      <p:pic>
+        <p:nvPicPr>
+          <p:cNvPr id="14" name="Picture 8" descr="나라사랑 태극기사랑">
+            <a:extLst>
+              <a:ext uri="{FF2B5EF4-FFF2-40B4-BE49-F238E27FC236}">
+                <a16:creationId xmlns:a16="http://schemas.microsoft.com/office/drawing/2014/main" id="{37B4DAB0-6945-705E-007E-E8A1E73C7159}"/>
+              </a:ext>
+            </a:extLst>
+          </p:cNvPr>
+          <p:cNvPicPr>
+            <a:picLocks noChangeAspect="1" noChangeArrowheads="1"/>
+          </p:cNvPicPr>
+          <p:nvPr/>
+        </p:nvPicPr>
+        <p:blipFill>
+          <a:blip r:embed="rId11" cstate="print">
+            <a:extLst>
+              <a:ext uri="{BEBA8EAE-BF5A-486C-A8C5-ECC9F3942E4B}">
+                <a14:imgProps xmlns:a14="http://schemas.microsoft.com/office/drawing/2010/main">
+                  <a14:imgLayer r:embed="rId12">
+                    <a14:imgEffect>
+                      <a14:backgroundRemoval t="10000" b="90000" l="10000" r="90000"/>
+                    </a14:imgEffect>
+                  </a14:imgLayer>
+                </a14:imgProps>
+              </a:ext>
+              <a:ext uri="{28A0092B-C50C-407E-A947-70E740481C1C}">
+                <a14:useLocalDpi xmlns:a14="http://schemas.microsoft.com/office/drawing/2010/main" val="0"/>
+              </a:ext>
+            </a:extLst>
+          </a:blip>
+          <a:srcRect/>
+          <a:stretch>
+            <a:fillRect/>
+          </a:stretch>
+        </p:blipFill>
+        <p:spPr bwMode="auto">
+          <a:xfrm>
+            <a:off x="6000599" y="2235925"/>
+            <a:ext cx="809645" cy="809645"/>
+          </a:xfrm>
+          <a:prstGeom prst="rect">
+            <a:avLst/>
+          </a:prstGeom>
+          <a:noFill/>
+          <a:extLst>
+            <a:ext uri="{909E8E84-426E-40DD-AFC4-6F175D3DCCD1}">
+              <a14:hiddenFill xmlns:a14="http://schemas.microsoft.com/office/drawing/2010/main">
+                <a:solidFill>
+                  <a:srgbClr val="FFFFFF"/>
+                </a:solidFill>
+              </a14:hiddenFill>
+            </a:ext>
+          </a:extLst>
+        </p:spPr>
+      </p:pic>
+      <p:pic>
+        <p:nvPicPr>
+          <p:cNvPr id="15" name="Picture 2" descr="노리프렌즈 - PVC바람개비 38cm 왕바람개비만들기 DIY">
+            <a:extLst>
+              <a:ext uri="{FF2B5EF4-FFF2-40B4-BE49-F238E27FC236}">
+                <a16:creationId xmlns:a16="http://schemas.microsoft.com/office/drawing/2014/main" id="{1D1D681E-4790-6362-0C66-5AE0FDACDE64}"/>
+              </a:ext>
+            </a:extLst>
+          </p:cNvPr>
+          <p:cNvPicPr>
+            <a:picLocks noChangeAspect="1" noChangeArrowheads="1"/>
+          </p:cNvPicPr>
+          <p:nvPr/>
+        </p:nvPicPr>
+        <p:blipFill>
+          <a:blip r:embed="rId5" cstate="print">
+            <a:extLst>
+              <a:ext uri="{BEBA8EAE-BF5A-486C-A8C5-ECC9F3942E4B}">
+                <a14:imgProps xmlns:a14="http://schemas.microsoft.com/office/drawing/2010/main">
+                  <a14:imgLayer r:embed="rId6">
+                    <a14:imgEffect>
+                      <a14:backgroundRemoval t="10000" b="90000" l="10000" r="90000"/>
+                    </a14:imgEffect>
+                  </a14:imgLayer>
+                </a14:imgProps>
+              </a:ext>
+              <a:ext uri="{28A0092B-C50C-407E-A947-70E740481C1C}">
+                <a14:useLocalDpi xmlns:a14="http://schemas.microsoft.com/office/drawing/2010/main" val="0"/>
+              </a:ext>
+            </a:extLst>
+          </a:blip>
+          <a:srcRect/>
+          <a:stretch>
+            <a:fillRect/>
+          </a:stretch>
+        </p:blipFill>
+        <p:spPr bwMode="auto">
+          <a:xfrm>
+            <a:off x="6863027" y="2358240"/>
+            <a:ext cx="757604" cy="757604"/>
+          </a:xfrm>
+          <a:prstGeom prst="rect">
+            <a:avLst/>
+          </a:prstGeom>
+          <a:noFill/>
+          <a:extLst>
+            <a:ext uri="{909E8E84-426E-40DD-AFC4-6F175D3DCCD1}">
+              <a14:hiddenFill xmlns:a14="http://schemas.microsoft.com/office/drawing/2010/main">
+                <a:solidFill>
+                  <a:srgbClr val="FFFFFF"/>
+                </a:solidFill>
+              </a14:hiddenFill>
+            </a:ext>
+          </a:extLst>
+        </p:spPr>
+      </p:pic>
+      <p:pic>
+        <p:nvPicPr>
+          <p:cNvPr id="16" name="Picture 10" descr="바람개비70R노랑_앞/뒤 full 바탕색,날개지름70cm">
+            <a:extLst>
+              <a:ext uri="{FF2B5EF4-FFF2-40B4-BE49-F238E27FC236}">
+                <a16:creationId xmlns:a16="http://schemas.microsoft.com/office/drawing/2014/main" id="{DD36E8EC-7245-C5D8-1754-FD73D17D9D41}"/>
+              </a:ext>
+            </a:extLst>
+          </p:cNvPr>
+          <p:cNvPicPr>
+            <a:picLocks noChangeAspect="1" noChangeArrowheads="1"/>
+          </p:cNvPicPr>
+          <p:nvPr/>
+        </p:nvPicPr>
+        <p:blipFill>
+          <a:blip r:embed="rId7" cstate="print">
+            <a:extLst>
+              <a:ext uri="{BEBA8EAE-BF5A-486C-A8C5-ECC9F3942E4B}">
+                <a14:imgProps xmlns:a14="http://schemas.microsoft.com/office/drawing/2010/main">
+                  <a14:imgLayer r:embed="rId8">
+                    <a14:imgEffect>
+                      <a14:backgroundRemoval t="4500" b="99833" l="10000" r="93667">
+                        <a14:foregroundMark x1="51333" y1="9833" x2="56667" y2="4500"/>
+                        <a14:foregroundMark x1="86500" y1="48833" x2="93833" y2="52167"/>
+                        <a14:foregroundMark x1="55667" y1="84167" x2="46500" y2="93500"/>
+                        <a14:foregroundMark x1="46500" y1="93500" x2="46500" y2="93667"/>
+                        <a14:foregroundMark x1="42833" y1="64667" x2="21833" y2="99833"/>
+                        <a14:foregroundMark x1="37500" y1="75167" x2="21167" y2="98833"/>
+                        <a14:foregroundMark x1="34833" y1="80833" x2="23000" y2="99833"/>
+                      </a14:backgroundRemoval>
+                    </a14:imgEffect>
+                  </a14:imgLayer>
+                </a14:imgProps>
+              </a:ext>
+              <a:ext uri="{28A0092B-C50C-407E-A947-70E740481C1C}">
+                <a14:useLocalDpi xmlns:a14="http://schemas.microsoft.com/office/drawing/2010/main" val="0"/>
+              </a:ext>
+            </a:extLst>
+          </a:blip>
+          <a:srcRect/>
+          <a:stretch>
+            <a:fillRect/>
+          </a:stretch>
+        </p:blipFill>
+        <p:spPr bwMode="auto">
+          <a:xfrm rot="19620439">
+            <a:off x="7582271" y="2130306"/>
+            <a:ext cx="855785" cy="855785"/>
+          </a:xfrm>
+          <a:prstGeom prst="rect">
+            <a:avLst/>
+          </a:prstGeom>
+          <a:noFill/>
+          <a:extLst>
+            <a:ext uri="{909E8E84-426E-40DD-AFC4-6F175D3DCCD1}">
+              <a14:hiddenFill xmlns:a14="http://schemas.microsoft.com/office/drawing/2010/main">
+                <a:solidFill>
+                  <a:srgbClr val="FFFFFF"/>
+                </a:solidFill>
+              </a14:hiddenFill>
+            </a:ext>
+          </a:extLst>
+        </p:spPr>
+      </p:pic>
+      <p:pic>
+        <p:nvPicPr>
+          <p:cNvPr id="17" name="Picture 6" descr="왕바람개비 만들기 보라 바람개비 - 옥션">
+            <a:extLst>
+              <a:ext uri="{FF2B5EF4-FFF2-40B4-BE49-F238E27FC236}">
+                <a16:creationId xmlns:a16="http://schemas.microsoft.com/office/drawing/2014/main" id="{CD1AC02F-F1B7-25EA-D1F0-4EE81FDE5314}"/>
+              </a:ext>
+            </a:extLst>
+          </p:cNvPr>
+          <p:cNvPicPr>
+            <a:picLocks noChangeAspect="1" noChangeArrowheads="1"/>
+          </p:cNvPicPr>
+          <p:nvPr/>
+        </p:nvPicPr>
+        <p:blipFill>
+          <a:blip r:embed="rId9" cstate="print">
+            <a:extLst>
+              <a:ext uri="{BEBA8EAE-BF5A-486C-A8C5-ECC9F3942E4B}">
+                <a14:imgProps xmlns:a14="http://schemas.microsoft.com/office/drawing/2010/main">
+                  <a14:imgLayer r:embed="rId10">
+                    <a14:imgEffect>
+                      <a14:backgroundRemoval t="10000" b="90000" l="10000" r="90000"/>
+                    </a14:imgEffect>
+                  </a14:imgLayer>
+                </a14:imgProps>
+              </a:ext>
+              <a:ext uri="{28A0092B-C50C-407E-A947-70E740481C1C}">
+                <a14:useLocalDpi xmlns:a14="http://schemas.microsoft.com/office/drawing/2010/main" val="0"/>
+              </a:ext>
+            </a:extLst>
+          </a:blip>
+          <a:srcRect/>
+          <a:stretch>
+            <a:fillRect/>
+          </a:stretch>
+        </p:blipFill>
+        <p:spPr bwMode="auto">
+          <a:xfrm>
+            <a:off x="8335860" y="2138901"/>
+            <a:ext cx="948103" cy="948103"/>
+          </a:xfrm>
+          <a:prstGeom prst="rect">
+            <a:avLst/>
+          </a:prstGeom>
+          <a:noFill/>
+          <a:extLst>
+            <a:ext uri="{909E8E84-426E-40DD-AFC4-6F175D3DCCD1}">
+              <a14:hiddenFill xmlns:a14="http://schemas.microsoft.com/office/drawing/2010/main">
+                <a:solidFill>
+                  <a:srgbClr val="FFFFFF"/>
+                </a:solidFill>
+              </a14:hiddenFill>
+            </a:ext>
+          </a:extLst>
+        </p:spPr>
+      </p:pic>
+      <p:pic>
+        <p:nvPicPr>
+          <p:cNvPr id="18" name="Picture 4" descr="G마켓 - 왕바람개비 만들기 파랑 바람개비">
+            <a:extLst>
+              <a:ext uri="{FF2B5EF4-FFF2-40B4-BE49-F238E27FC236}">
+                <a16:creationId xmlns:a16="http://schemas.microsoft.com/office/drawing/2014/main" id="{751669B5-AF21-992B-1A59-978DF2602529}"/>
+              </a:ext>
+            </a:extLst>
+          </p:cNvPr>
+          <p:cNvPicPr>
+            <a:picLocks noChangeAspect="1" noChangeArrowheads="1"/>
+          </p:cNvPicPr>
+          <p:nvPr/>
+        </p:nvPicPr>
+        <p:blipFill>
+          <a:blip r:embed="rId3" cstate="print">
+            <a:extLst>
+              <a:ext uri="{BEBA8EAE-BF5A-486C-A8C5-ECC9F3942E4B}">
+                <a14:imgProps xmlns:a14="http://schemas.microsoft.com/office/drawing/2010/main">
+                  <a14:imgLayer r:embed="rId4">
+                    <a14:imgEffect>
+                      <a14:backgroundRemoval t="10000" b="90000" l="10000" r="90000"/>
+                    </a14:imgEffect>
+                  </a14:imgLayer>
+                </a14:imgProps>
+              </a:ext>
+              <a:ext uri="{28A0092B-C50C-407E-A947-70E740481C1C}">
+                <a14:useLocalDpi xmlns:a14="http://schemas.microsoft.com/office/drawing/2010/main" val="0"/>
+              </a:ext>
+            </a:extLst>
+          </a:blip>
+          <a:srcRect/>
+          <a:stretch>
+            <a:fillRect/>
+          </a:stretch>
+        </p:blipFill>
+        <p:spPr bwMode="auto">
+          <a:xfrm>
+            <a:off x="8982505" y="2020016"/>
+            <a:ext cx="1175653" cy="1175653"/>
+          </a:xfrm>
+          <a:prstGeom prst="rect">
+            <a:avLst/>
+          </a:prstGeom>
+          <a:noFill/>
+          <a:extLst>
+            <a:ext uri="{909E8E84-426E-40DD-AFC4-6F175D3DCCD1}">
+              <a14:hiddenFill xmlns:a14="http://schemas.microsoft.com/office/drawing/2010/main">
+                <a:solidFill>
+                  <a:srgbClr val="FFFFFF"/>
+                </a:solidFill>
+              </a14:hiddenFill>
+            </a:ext>
+          </a:extLst>
+        </p:spPr>
+      </p:pic>
+      <p:pic>
+        <p:nvPicPr>
+          <p:cNvPr id="19" name="Picture 4" descr="G마켓 - 왕바람개비 만들기 파랑 바람개비">
+            <a:extLst>
+              <a:ext uri="{FF2B5EF4-FFF2-40B4-BE49-F238E27FC236}">
+                <a16:creationId xmlns:a16="http://schemas.microsoft.com/office/drawing/2014/main" id="{0743EA2E-B2F2-3CA3-65A9-F5144E0C227D}"/>
+              </a:ext>
+            </a:extLst>
+          </p:cNvPr>
+          <p:cNvPicPr>
+            <a:picLocks noChangeAspect="1" noChangeArrowheads="1"/>
+          </p:cNvPicPr>
+          <p:nvPr/>
+        </p:nvPicPr>
+        <p:blipFill>
+          <a:blip r:embed="rId3" cstate="print">
+            <a:extLst>
+              <a:ext uri="{BEBA8EAE-BF5A-486C-A8C5-ECC9F3942E4B}">
+                <a14:imgProps xmlns:a14="http://schemas.microsoft.com/office/drawing/2010/main">
+                  <a14:imgLayer r:embed="rId4">
+                    <a14:imgEffect>
+                      <a14:backgroundRemoval t="10000" b="90000" l="10000" r="90000"/>
+                    </a14:imgEffect>
+                  </a14:imgLayer>
+                </a14:imgProps>
+              </a:ext>
+              <a:ext uri="{28A0092B-C50C-407E-A947-70E740481C1C}">
+                <a14:useLocalDpi xmlns:a14="http://schemas.microsoft.com/office/drawing/2010/main" val="0"/>
+              </a:ext>
+            </a:extLst>
+          </a:blip>
+          <a:srcRect/>
+          <a:stretch>
+            <a:fillRect/>
+          </a:stretch>
+        </p:blipFill>
+        <p:spPr bwMode="auto">
+          <a:xfrm>
+            <a:off x="2463799" y="3812899"/>
+            <a:ext cx="1175653" cy="1175653"/>
+          </a:xfrm>
+          <a:prstGeom prst="rect">
+            <a:avLst/>
+          </a:prstGeom>
+          <a:noFill/>
+          <a:extLst>
+            <a:ext uri="{909E8E84-426E-40DD-AFC4-6F175D3DCCD1}">
+              <a14:hiddenFill xmlns:a14="http://schemas.microsoft.com/office/drawing/2010/main">
+                <a:solidFill>
+                  <a:srgbClr val="FFFFFF"/>
+                </a:solidFill>
+              </a14:hiddenFill>
+            </a:ext>
+          </a:extLst>
+        </p:spPr>
+      </p:pic>
+      <p:pic>
+        <p:nvPicPr>
+          <p:cNvPr id="20" name="Picture 2" descr="노리프렌즈 - PVC바람개비 38cm 왕바람개비만들기 DIY">
+            <a:extLst>
+              <a:ext uri="{FF2B5EF4-FFF2-40B4-BE49-F238E27FC236}">
+                <a16:creationId xmlns:a16="http://schemas.microsoft.com/office/drawing/2014/main" id="{FA887A12-C51C-E5EB-13FC-D2D674179B70}"/>
+              </a:ext>
+            </a:extLst>
+          </p:cNvPr>
+          <p:cNvPicPr>
+            <a:picLocks noChangeAspect="1" noChangeArrowheads="1"/>
+          </p:cNvPicPr>
+          <p:nvPr/>
+        </p:nvPicPr>
+        <p:blipFill>
+          <a:blip r:embed="rId5" cstate="print">
+            <a:extLst>
+              <a:ext uri="{BEBA8EAE-BF5A-486C-A8C5-ECC9F3942E4B}">
+                <a14:imgProps xmlns:a14="http://schemas.microsoft.com/office/drawing/2010/main">
+                  <a14:imgLayer r:embed="rId6">
+                    <a14:imgEffect>
+                      <a14:backgroundRemoval t="10000" b="90000" l="10000" r="90000"/>
+                    </a14:imgEffect>
+                  </a14:imgLayer>
+                </a14:imgProps>
+              </a:ext>
+              <a:ext uri="{28A0092B-C50C-407E-A947-70E740481C1C}">
+                <a14:useLocalDpi xmlns:a14="http://schemas.microsoft.com/office/drawing/2010/main" val="0"/>
+              </a:ext>
+            </a:extLst>
+          </a:blip>
+          <a:srcRect/>
+          <a:stretch>
+            <a:fillRect/>
+          </a:stretch>
+        </p:blipFill>
+        <p:spPr bwMode="auto">
+          <a:xfrm>
+            <a:off x="3401646" y="4040449"/>
+            <a:ext cx="757604" cy="757604"/>
+          </a:xfrm>
+          <a:prstGeom prst="rect">
+            <a:avLst/>
+          </a:prstGeom>
+          <a:noFill/>
+          <a:extLst>
+            <a:ext uri="{909E8E84-426E-40DD-AFC4-6F175D3DCCD1}">
+              <a14:hiddenFill xmlns:a14="http://schemas.microsoft.com/office/drawing/2010/main">
+                <a:solidFill>
+                  <a:srgbClr val="FFFFFF"/>
+                </a:solidFill>
+              </a14:hiddenFill>
+            </a:ext>
+          </a:extLst>
+        </p:spPr>
+      </p:pic>
+      <p:pic>
+        <p:nvPicPr>
+          <p:cNvPr id="21" name="Picture 10" descr="바람개비70R노랑_앞/뒤 full 바탕색,날개지름70cm">
+            <a:extLst>
+              <a:ext uri="{FF2B5EF4-FFF2-40B4-BE49-F238E27FC236}">
+                <a16:creationId xmlns:a16="http://schemas.microsoft.com/office/drawing/2014/main" id="{D8FF4A87-ECD6-CA4B-EFB7-49CF7B169157}"/>
+              </a:ext>
+            </a:extLst>
+          </p:cNvPr>
+          <p:cNvPicPr>
+            <a:picLocks noChangeAspect="1" noChangeArrowheads="1"/>
+          </p:cNvPicPr>
+          <p:nvPr/>
+        </p:nvPicPr>
+        <p:blipFill>
+          <a:blip r:embed="rId7" cstate="print">
+            <a:extLst>
+              <a:ext uri="{BEBA8EAE-BF5A-486C-A8C5-ECC9F3942E4B}">
+                <a14:imgProps xmlns:a14="http://schemas.microsoft.com/office/drawing/2010/main">
+                  <a14:imgLayer r:embed="rId8">
+                    <a14:imgEffect>
+                      <a14:backgroundRemoval t="4500" b="99833" l="10000" r="93667">
+                        <a14:foregroundMark x1="51333" y1="9833" x2="56667" y2="4500"/>
+                        <a14:foregroundMark x1="86500" y1="48833" x2="93833" y2="52167"/>
+                        <a14:foregroundMark x1="55667" y1="84167" x2="46500" y2="93500"/>
+                        <a14:foregroundMark x1="46500" y1="93500" x2="46500" y2="93667"/>
+                        <a14:foregroundMark x1="42833" y1="64667" x2="21833" y2="99833"/>
+                        <a14:foregroundMark x1="37500" y1="75167" x2="21167" y2="98833"/>
+                        <a14:foregroundMark x1="34833" y1="80833" x2="23000" y2="99833"/>
+                      </a14:backgroundRemoval>
+                    </a14:imgEffect>
+                  </a14:imgLayer>
+                </a14:imgProps>
+              </a:ext>
+              <a:ext uri="{28A0092B-C50C-407E-A947-70E740481C1C}">
+                <a14:useLocalDpi xmlns:a14="http://schemas.microsoft.com/office/drawing/2010/main" val="0"/>
+              </a:ext>
+            </a:extLst>
+          </a:blip>
+          <a:srcRect/>
+          <a:stretch>
+            <a:fillRect/>
+          </a:stretch>
+        </p:blipFill>
+        <p:spPr bwMode="auto">
+          <a:xfrm rot="19620439">
+            <a:off x="4120890" y="3812515"/>
+            <a:ext cx="855785" cy="855785"/>
+          </a:xfrm>
+          <a:prstGeom prst="rect">
+            <a:avLst/>
+          </a:prstGeom>
+          <a:noFill/>
+          <a:extLst>
+            <a:ext uri="{909E8E84-426E-40DD-AFC4-6F175D3DCCD1}">
+              <a14:hiddenFill xmlns:a14="http://schemas.microsoft.com/office/drawing/2010/main">
+                <a:solidFill>
+                  <a:srgbClr val="FFFFFF"/>
+                </a:solidFill>
+              </a14:hiddenFill>
+            </a:ext>
+          </a:extLst>
+        </p:spPr>
+      </p:pic>
+      <p:pic>
+        <p:nvPicPr>
+          <p:cNvPr id="22" name="Picture 6" descr="왕바람개비 만들기 보라 바람개비 - 옥션">
+            <a:extLst>
+              <a:ext uri="{FF2B5EF4-FFF2-40B4-BE49-F238E27FC236}">
+                <a16:creationId xmlns:a16="http://schemas.microsoft.com/office/drawing/2014/main" id="{88757F83-75AA-B2B6-D9FF-145D7BFCCD53}"/>
+              </a:ext>
+            </a:extLst>
+          </p:cNvPr>
+          <p:cNvPicPr>
+            <a:picLocks noChangeAspect="1" noChangeArrowheads="1"/>
+          </p:cNvPicPr>
+          <p:nvPr/>
+        </p:nvPicPr>
+        <p:blipFill>
+          <a:blip r:embed="rId9" cstate="print">
+            <a:extLst>
+              <a:ext uri="{BEBA8EAE-BF5A-486C-A8C5-ECC9F3942E4B}">
+                <a14:imgProps xmlns:a14="http://schemas.microsoft.com/office/drawing/2010/main">
+                  <a14:imgLayer r:embed="rId10">
+                    <a14:imgEffect>
+                      <a14:backgroundRemoval t="10000" b="90000" l="10000" r="90000"/>
+                    </a14:imgEffect>
+                  </a14:imgLayer>
+                </a14:imgProps>
+              </a:ext>
+              <a:ext uri="{28A0092B-C50C-407E-A947-70E740481C1C}">
+                <a14:useLocalDpi xmlns:a14="http://schemas.microsoft.com/office/drawing/2010/main" val="0"/>
+              </a:ext>
+            </a:extLst>
+          </a:blip>
+          <a:srcRect/>
+          <a:stretch>
+            <a:fillRect/>
+          </a:stretch>
+        </p:blipFill>
+        <p:spPr bwMode="auto">
+          <a:xfrm>
+            <a:off x="4874479" y="3849950"/>
+            <a:ext cx="948103" cy="948103"/>
+          </a:xfrm>
+          <a:prstGeom prst="rect">
+            <a:avLst/>
+          </a:prstGeom>
+          <a:noFill/>
+          <a:extLst>
+            <a:ext uri="{909E8E84-426E-40DD-AFC4-6F175D3DCCD1}">
+              <a14:hiddenFill xmlns:a14="http://schemas.microsoft.com/office/drawing/2010/main">
+                <a:solidFill>
+                  <a:srgbClr val="FFFFFF"/>
+                </a:solidFill>
+              </a14:hiddenFill>
+            </a:ext>
+          </a:extLst>
+        </p:spPr>
+      </p:pic>
+      <p:pic>
+        <p:nvPicPr>
+          <p:cNvPr id="23" name="Picture 8" descr="나라사랑 태극기사랑">
+            <a:extLst>
+              <a:ext uri="{FF2B5EF4-FFF2-40B4-BE49-F238E27FC236}">
+                <a16:creationId xmlns:a16="http://schemas.microsoft.com/office/drawing/2014/main" id="{3EB0FF32-CAD0-C9CF-CDB6-BFCF4C9C671B}"/>
+              </a:ext>
+            </a:extLst>
+          </p:cNvPr>
+          <p:cNvPicPr>
+            <a:picLocks noChangeAspect="1" noChangeArrowheads="1"/>
+          </p:cNvPicPr>
+          <p:nvPr/>
+        </p:nvPicPr>
+        <p:blipFill>
+          <a:blip r:embed="rId11" cstate="print">
+            <a:extLst>
+              <a:ext uri="{BEBA8EAE-BF5A-486C-A8C5-ECC9F3942E4B}">
+                <a14:imgProps xmlns:a14="http://schemas.microsoft.com/office/drawing/2010/main">
+                  <a14:imgLayer r:embed="rId12">
+                    <a14:imgEffect>
+                      <a14:backgroundRemoval t="10000" b="90000" l="10000" r="90000"/>
+                    </a14:imgEffect>
+                  </a14:imgLayer>
+                </a14:imgProps>
+              </a:ext>
+              <a:ext uri="{28A0092B-C50C-407E-A947-70E740481C1C}">
+                <a14:useLocalDpi xmlns:a14="http://schemas.microsoft.com/office/drawing/2010/main" val="0"/>
+              </a:ext>
+            </a:extLst>
+          </a:blip>
+          <a:srcRect/>
+          <a:stretch>
+            <a:fillRect/>
+          </a:stretch>
+        </p:blipFill>
+        <p:spPr bwMode="auto">
+          <a:xfrm>
+            <a:off x="5791049" y="3835584"/>
+            <a:ext cx="809645" cy="809645"/>
+          </a:xfrm>
+          <a:prstGeom prst="rect">
+            <a:avLst/>
+          </a:prstGeom>
+          <a:noFill/>
+          <a:extLst>
+            <a:ext uri="{909E8E84-426E-40DD-AFC4-6F175D3DCCD1}">
+              <a14:hiddenFill xmlns:a14="http://schemas.microsoft.com/office/drawing/2010/main">
+                <a:solidFill>
+                  <a:srgbClr val="FFFFFF"/>
+                </a:solidFill>
+              </a14:hiddenFill>
+            </a:ext>
+          </a:extLst>
+        </p:spPr>
+      </p:pic>
+      <p:pic>
+        <p:nvPicPr>
+          <p:cNvPr id="24" name="Picture 2" descr="노리프렌즈 - PVC바람개비 38cm 왕바람개비만들기 DIY">
+            <a:extLst>
+              <a:ext uri="{FF2B5EF4-FFF2-40B4-BE49-F238E27FC236}">
+                <a16:creationId xmlns:a16="http://schemas.microsoft.com/office/drawing/2014/main" id="{4A3F1511-7270-59A5-B8F9-D5E48D8351F0}"/>
+              </a:ext>
+            </a:extLst>
+          </p:cNvPr>
+          <p:cNvPicPr>
+            <a:picLocks noChangeAspect="1" noChangeArrowheads="1"/>
+          </p:cNvPicPr>
+          <p:nvPr/>
+        </p:nvPicPr>
+        <p:blipFill>
+          <a:blip r:embed="rId5" cstate="print">
+            <a:extLst>
+              <a:ext uri="{BEBA8EAE-BF5A-486C-A8C5-ECC9F3942E4B}">
+                <a14:imgProps xmlns:a14="http://schemas.microsoft.com/office/drawing/2010/main">
+                  <a14:imgLayer r:embed="rId6">
+                    <a14:imgEffect>
+                      <a14:backgroundRemoval t="10000" b="90000" l="10000" r="90000"/>
+                    </a14:imgEffect>
+                  </a14:imgLayer>
+                </a14:imgProps>
+              </a:ext>
+              <a:ext uri="{28A0092B-C50C-407E-A947-70E740481C1C}">
+                <a14:useLocalDpi xmlns:a14="http://schemas.microsoft.com/office/drawing/2010/main" val="0"/>
+              </a:ext>
+            </a:extLst>
+          </a:blip>
+          <a:srcRect/>
+          <a:stretch>
+            <a:fillRect/>
+          </a:stretch>
+        </p:blipFill>
+        <p:spPr bwMode="auto">
+          <a:xfrm>
+            <a:off x="6653477" y="3957899"/>
+            <a:ext cx="757604" cy="757604"/>
+          </a:xfrm>
+          <a:prstGeom prst="rect">
+            <a:avLst/>
+          </a:prstGeom>
+          <a:noFill/>
+          <a:extLst>
+            <a:ext uri="{909E8E84-426E-40DD-AFC4-6F175D3DCCD1}">
+              <a14:hiddenFill xmlns:a14="http://schemas.microsoft.com/office/drawing/2010/main">
+                <a:solidFill>
+                  <a:srgbClr val="FFFFFF"/>
+                </a:solidFill>
+              </a14:hiddenFill>
+            </a:ext>
+          </a:extLst>
+        </p:spPr>
+      </p:pic>
+      <p:pic>
+        <p:nvPicPr>
+          <p:cNvPr id="25" name="Picture 10" descr="바람개비70R노랑_앞/뒤 full 바탕색,날개지름70cm">
+            <a:extLst>
+              <a:ext uri="{FF2B5EF4-FFF2-40B4-BE49-F238E27FC236}">
+                <a16:creationId xmlns:a16="http://schemas.microsoft.com/office/drawing/2014/main" id="{BEFA458D-67E4-9756-2E29-9CD8B21F5781}"/>
+              </a:ext>
+            </a:extLst>
+          </p:cNvPr>
+          <p:cNvPicPr>
+            <a:picLocks noChangeAspect="1" noChangeArrowheads="1"/>
+          </p:cNvPicPr>
+          <p:nvPr/>
+        </p:nvPicPr>
+        <p:blipFill>
+          <a:blip r:embed="rId7" cstate="print">
+            <a:extLst>
+              <a:ext uri="{BEBA8EAE-BF5A-486C-A8C5-ECC9F3942E4B}">
+                <a14:imgProps xmlns:a14="http://schemas.microsoft.com/office/drawing/2010/main">
+                  <a14:imgLayer r:embed="rId8">
+                    <a14:imgEffect>
+                      <a14:backgroundRemoval t="4500" b="99833" l="10000" r="93667">
+                        <a14:foregroundMark x1="51333" y1="9833" x2="56667" y2="4500"/>
+                        <a14:foregroundMark x1="86500" y1="48833" x2="93833" y2="52167"/>
+                        <a14:foregroundMark x1="55667" y1="84167" x2="46500" y2="93500"/>
+                        <a14:foregroundMark x1="46500" y1="93500" x2="46500" y2="93667"/>
+                        <a14:foregroundMark x1="42833" y1="64667" x2="21833" y2="99833"/>
+                        <a14:foregroundMark x1="37500" y1="75167" x2="21167" y2="98833"/>
+                        <a14:foregroundMark x1="34833" y1="80833" x2="23000" y2="99833"/>
+                      </a14:backgroundRemoval>
+                    </a14:imgEffect>
+                  </a14:imgLayer>
+                </a14:imgProps>
+              </a:ext>
+              <a:ext uri="{28A0092B-C50C-407E-A947-70E740481C1C}">
+                <a14:useLocalDpi xmlns:a14="http://schemas.microsoft.com/office/drawing/2010/main" val="0"/>
+              </a:ext>
+            </a:extLst>
+          </a:blip>
+          <a:srcRect/>
+          <a:stretch>
+            <a:fillRect/>
+          </a:stretch>
+        </p:blipFill>
+        <p:spPr bwMode="auto">
+          <a:xfrm rot="19620439">
+            <a:off x="7372721" y="3729965"/>
+            <a:ext cx="855785" cy="855785"/>
+          </a:xfrm>
+          <a:prstGeom prst="rect">
+            <a:avLst/>
+          </a:prstGeom>
+          <a:noFill/>
+          <a:extLst>
+            <a:ext uri="{909E8E84-426E-40DD-AFC4-6F175D3DCCD1}">
+              <a14:hiddenFill xmlns:a14="http://schemas.microsoft.com/office/drawing/2010/main">
+                <a:solidFill>
+                  <a:srgbClr val="FFFFFF"/>
+                </a:solidFill>
+              </a14:hiddenFill>
+            </a:ext>
+          </a:extLst>
+        </p:spPr>
+      </p:pic>
+      <p:pic>
+        <p:nvPicPr>
+          <p:cNvPr id="26" name="Picture 6" descr="왕바람개비 만들기 보라 바람개비 - 옥션">
+            <a:extLst>
+              <a:ext uri="{FF2B5EF4-FFF2-40B4-BE49-F238E27FC236}">
+                <a16:creationId xmlns:a16="http://schemas.microsoft.com/office/drawing/2014/main" id="{33027C49-02BC-F82E-C75D-E3829B7B07A1}"/>
+              </a:ext>
+            </a:extLst>
+          </p:cNvPr>
+          <p:cNvPicPr>
+            <a:picLocks noChangeAspect="1" noChangeArrowheads="1"/>
+          </p:cNvPicPr>
+          <p:nvPr/>
+        </p:nvPicPr>
+        <p:blipFill>
+          <a:blip r:embed="rId9" cstate="print">
+            <a:extLst>
+              <a:ext uri="{BEBA8EAE-BF5A-486C-A8C5-ECC9F3942E4B}">
+                <a14:imgProps xmlns:a14="http://schemas.microsoft.com/office/drawing/2010/main">
+                  <a14:imgLayer r:embed="rId10">
+                    <a14:imgEffect>
+                      <a14:backgroundRemoval t="10000" b="90000" l="10000" r="90000"/>
+                    </a14:imgEffect>
+                  </a14:imgLayer>
+                </a14:imgProps>
+              </a:ext>
+              <a:ext uri="{28A0092B-C50C-407E-A947-70E740481C1C}">
+                <a14:useLocalDpi xmlns:a14="http://schemas.microsoft.com/office/drawing/2010/main" val="0"/>
+              </a:ext>
+            </a:extLst>
+          </a:blip>
+          <a:srcRect/>
+          <a:stretch>
+            <a:fillRect/>
+          </a:stretch>
+        </p:blipFill>
+        <p:spPr bwMode="auto">
+          <a:xfrm>
+            <a:off x="8126310" y="3738560"/>
+            <a:ext cx="948103" cy="948103"/>
+          </a:xfrm>
+          <a:prstGeom prst="rect">
+            <a:avLst/>
+          </a:prstGeom>
+          <a:noFill/>
+          <a:extLst>
+            <a:ext uri="{909E8E84-426E-40DD-AFC4-6F175D3DCCD1}">
+              <a14:hiddenFill xmlns:a14="http://schemas.microsoft.com/office/drawing/2010/main">
+                <a:solidFill>
+                  <a:srgbClr val="FFFFFF"/>
+                </a:solidFill>
+              </a14:hiddenFill>
+            </a:ext>
+          </a:extLst>
+        </p:spPr>
+      </p:pic>
+      <p:pic>
+        <p:nvPicPr>
+          <p:cNvPr id="27" name="Picture 4" descr="G마켓 - 왕바람개비 만들기 파랑 바람개비">
+            <a:extLst>
+              <a:ext uri="{FF2B5EF4-FFF2-40B4-BE49-F238E27FC236}">
+                <a16:creationId xmlns:a16="http://schemas.microsoft.com/office/drawing/2014/main" id="{CF9EEE3B-0AE4-3665-0D0B-3015FA679F1F}"/>
+              </a:ext>
+            </a:extLst>
+          </p:cNvPr>
+          <p:cNvPicPr>
+            <a:picLocks noChangeAspect="1" noChangeArrowheads="1"/>
+          </p:cNvPicPr>
+          <p:nvPr/>
+        </p:nvPicPr>
+        <p:blipFill>
+          <a:blip r:embed="rId3" cstate="print">
+            <a:extLst>
+              <a:ext uri="{BEBA8EAE-BF5A-486C-A8C5-ECC9F3942E4B}">
+                <a14:imgProps xmlns:a14="http://schemas.microsoft.com/office/drawing/2010/main">
+                  <a14:imgLayer r:embed="rId4">
+                    <a14:imgEffect>
+                      <a14:backgroundRemoval t="10000" b="90000" l="10000" r="90000"/>
+                    </a14:imgEffect>
+                  </a14:imgLayer>
+                </a14:imgProps>
+              </a:ext>
+              <a:ext uri="{28A0092B-C50C-407E-A947-70E740481C1C}">
+                <a14:useLocalDpi xmlns:a14="http://schemas.microsoft.com/office/drawing/2010/main" val="0"/>
+              </a:ext>
+            </a:extLst>
+          </a:blip>
+          <a:srcRect/>
+          <a:stretch>
+            <a:fillRect/>
+          </a:stretch>
+        </p:blipFill>
+        <p:spPr bwMode="auto">
+          <a:xfrm>
+            <a:off x="8772955" y="3619675"/>
+            <a:ext cx="1175653" cy="1175653"/>
+          </a:xfrm>
+          <a:prstGeom prst="rect">
+            <a:avLst/>
+          </a:prstGeom>
+          <a:noFill/>
+          <a:extLst>
+            <a:ext uri="{909E8E84-426E-40DD-AFC4-6F175D3DCCD1}">
+              <a14:hiddenFill xmlns:a14="http://schemas.microsoft.com/office/drawing/2010/main">
+                <a:solidFill>
+                  <a:srgbClr val="FFFFFF"/>
+                </a:solidFill>
+              </a14:hiddenFill>
+            </a:ext>
+          </a:extLst>
+        </p:spPr>
+      </p:pic>
+      <p:sp>
+        <p:nvSpPr>
+          <p:cNvPr id="28" name="직사각형 27">
+            <a:extLst>
+              <a:ext uri="{FF2B5EF4-FFF2-40B4-BE49-F238E27FC236}">
+                <a16:creationId xmlns:a16="http://schemas.microsoft.com/office/drawing/2014/main" id="{F93C6B9D-BFB4-4DE5-C84C-B5DD12AE2F52}"/>
+              </a:ext>
+            </a:extLst>
+          </p:cNvPr>
+          <p:cNvSpPr/>
+          <p:nvPr/>
+        </p:nvSpPr>
+        <p:spPr>
+          <a:xfrm>
+            <a:off x="2914138" y="2000640"/>
+            <a:ext cx="760294" cy="314590"/>
+          </a:xfrm>
+          <a:prstGeom prst="rect">
+            <a:avLst/>
+          </a:prstGeom>
+        </p:spPr>
+        <p:style>
+          <a:lnRef idx="2">
+            <a:schemeClr val="accent1">
+              <a:shade val="50000"/>
+            </a:schemeClr>
+          </a:lnRef>
+          <a:fillRef idx="1">
+            <a:schemeClr val="accent1"/>
+          </a:fillRef>
+          <a:effectRef idx="0">
+            <a:schemeClr val="accent1"/>
+          </a:effectRef>
+          <a:fontRef idx="minor">
+            <a:schemeClr val="lt1"/>
+          </a:fontRef>
+        </p:style>
+        <p:txBody>
+          <a:bodyPr rtlCol="0" anchor="ctr"/>
+          <a:lstStyle/>
+          <a:p>
+            <a:pPr algn="ctr"/>
+            <a:r>
+              <a:rPr lang="en-US" altLang="ko-KR" dirty="0"/>
+              <a:t>1.3m</a:t>
+            </a:r>
+            <a:endParaRPr lang="ko-KR" altLang="en-US" dirty="0"/>
+          </a:p>
+        </p:txBody>
+      </p:sp>
+      <p:sp>
+        <p:nvSpPr>
+          <p:cNvPr id="29" name="직사각형 28">
+            <a:extLst>
+              <a:ext uri="{FF2B5EF4-FFF2-40B4-BE49-F238E27FC236}">
+                <a16:creationId xmlns:a16="http://schemas.microsoft.com/office/drawing/2014/main" id="{A417B2A6-1053-D717-CC21-3869300066D0}"/>
+              </a:ext>
+            </a:extLst>
+          </p:cNvPr>
+          <p:cNvSpPr/>
+          <p:nvPr/>
+        </p:nvSpPr>
+        <p:spPr>
+          <a:xfrm>
+            <a:off x="3721109" y="2012425"/>
+            <a:ext cx="724578" cy="314590"/>
+          </a:xfrm>
+          <a:prstGeom prst="rect">
+            <a:avLst/>
+          </a:prstGeom>
+        </p:spPr>
+        <p:style>
+          <a:lnRef idx="2">
+            <a:schemeClr val="accent1">
+              <a:shade val="50000"/>
+            </a:schemeClr>
+          </a:lnRef>
+          <a:fillRef idx="1">
+            <a:schemeClr val="accent1"/>
+          </a:fillRef>
+          <a:effectRef idx="0">
+            <a:schemeClr val="accent1"/>
+          </a:effectRef>
+          <a:fontRef idx="minor">
+            <a:schemeClr val="lt1"/>
+          </a:fontRef>
+        </p:style>
+        <p:txBody>
+          <a:bodyPr rtlCol="0" anchor="ctr"/>
+          <a:lstStyle/>
+          <a:p>
+            <a:pPr algn="ctr"/>
+            <a:r>
+              <a:rPr lang="en-US" altLang="ko-KR" dirty="0"/>
+              <a:t>1m</a:t>
+            </a:r>
+            <a:endParaRPr lang="ko-KR" altLang="en-US" dirty="0"/>
+          </a:p>
+        </p:txBody>
+      </p:sp>
+      <p:sp>
+        <p:nvSpPr>
+          <p:cNvPr id="30" name="직사각형 29">
+            <a:extLst>
+              <a:ext uri="{FF2B5EF4-FFF2-40B4-BE49-F238E27FC236}">
+                <a16:creationId xmlns:a16="http://schemas.microsoft.com/office/drawing/2014/main" id="{9CF482A6-D395-279C-2425-DE3477D2C705}"/>
+              </a:ext>
+            </a:extLst>
+          </p:cNvPr>
+          <p:cNvSpPr/>
+          <p:nvPr/>
+        </p:nvSpPr>
+        <p:spPr>
+          <a:xfrm>
+            <a:off x="2795748" y="3171951"/>
+            <a:ext cx="2787627" cy="314590"/>
+          </a:xfrm>
+          <a:prstGeom prst="rect">
+            <a:avLst/>
+          </a:prstGeom>
+        </p:spPr>
+        <p:style>
+          <a:lnRef idx="2">
+            <a:schemeClr val="accent1">
+              <a:shade val="50000"/>
+            </a:schemeClr>
+          </a:lnRef>
+          <a:fillRef idx="1">
+            <a:schemeClr val="accent1"/>
+          </a:fillRef>
+          <a:effectRef idx="0">
+            <a:schemeClr val="accent1"/>
+          </a:effectRef>
+          <a:fontRef idx="minor">
+            <a:schemeClr val="lt1"/>
+          </a:fontRef>
+        </p:style>
+        <p:txBody>
+          <a:bodyPr rtlCol="0" anchor="ctr"/>
+          <a:lstStyle/>
+          <a:p>
+            <a:pPr algn="ctr"/>
+            <a:r>
+              <a:rPr lang="ko-KR" altLang="en-US" dirty="0"/>
+              <a:t>해당 높이 번갈아서 적용</a:t>
+            </a:r>
+          </a:p>
+        </p:txBody>
+      </p:sp>
+      <p:cxnSp>
+        <p:nvCxnSpPr>
+          <p:cNvPr id="37" name="연결선: 구부러짐 36">
+            <a:extLst>
+              <a:ext uri="{FF2B5EF4-FFF2-40B4-BE49-F238E27FC236}">
+                <a16:creationId xmlns:a16="http://schemas.microsoft.com/office/drawing/2014/main" id="{33F1F907-25A0-8B8B-9C70-B35579EFBE00}"/>
+              </a:ext>
+            </a:extLst>
+          </p:cNvPr>
+          <p:cNvCxnSpPr>
+            <a:stCxn id="28" idx="0"/>
+            <a:endCxn id="29" idx="0"/>
+          </p:cNvCxnSpPr>
+          <p:nvPr/>
+        </p:nvCxnSpPr>
+        <p:spPr>
+          <a:xfrm rot="16200000" flipH="1">
+            <a:off x="3682948" y="1611976"/>
+            <a:ext cx="11785" cy="789113"/>
+          </a:xfrm>
+          <a:prstGeom prst="curvedConnector3">
+            <a:avLst>
+              <a:gd name="adj1" fmla="val -3071277"/>
+            </a:avLst>
+          </a:prstGeom>
+          <a:ln w="38100">
+            <a:solidFill>
+              <a:srgbClr val="00B0F0"/>
+            </a:solidFill>
+            <a:headEnd type="triangle"/>
+            <a:tailEnd type="triangle"/>
+          </a:ln>
+        </p:spPr>
+        <p:style>
+          <a:lnRef idx="1">
+            <a:schemeClr val="accent1"/>
+          </a:lnRef>
+          <a:fillRef idx="0">
+            <a:schemeClr val="accent1"/>
+          </a:fillRef>
+          <a:effectRef idx="0">
+            <a:schemeClr val="accent1"/>
+          </a:effectRef>
+          <a:fontRef idx="minor">
+            <a:schemeClr val="tx1"/>
+          </a:fontRef>
+        </p:style>
+      </p:cxnSp>
+      <p:sp>
+        <p:nvSpPr>
+          <p:cNvPr id="46" name="직사각형 45">
+            <a:extLst>
+              <a:ext uri="{FF2B5EF4-FFF2-40B4-BE49-F238E27FC236}">
+                <a16:creationId xmlns:a16="http://schemas.microsoft.com/office/drawing/2014/main" id="{A9B6C9FE-2AD4-9D7A-8C7D-4745298F8A06}"/>
+              </a:ext>
+            </a:extLst>
+          </p:cNvPr>
+          <p:cNvSpPr/>
+          <p:nvPr/>
+        </p:nvSpPr>
+        <p:spPr>
+          <a:xfrm>
+            <a:off x="3326551" y="1262043"/>
+            <a:ext cx="724578" cy="314590"/>
+          </a:xfrm>
+          <a:prstGeom prst="rect">
+            <a:avLst/>
+          </a:prstGeom>
+        </p:spPr>
+        <p:style>
+          <a:lnRef idx="2">
+            <a:schemeClr val="accent1">
+              <a:shade val="50000"/>
+            </a:schemeClr>
+          </a:lnRef>
+          <a:fillRef idx="1">
+            <a:schemeClr val="accent1"/>
+          </a:fillRef>
+          <a:effectRef idx="0">
+            <a:schemeClr val="accent1"/>
+          </a:effectRef>
+          <a:fontRef idx="minor">
+            <a:schemeClr val="lt1"/>
+          </a:fontRef>
+        </p:style>
+        <p:txBody>
+          <a:bodyPr rtlCol="0" anchor="ctr"/>
+          <a:lstStyle/>
+          <a:p>
+            <a:pPr algn="ctr"/>
+            <a:r>
+              <a:rPr lang="en-US" altLang="ko-KR" dirty="0"/>
+              <a:t>1m</a:t>
+            </a:r>
+            <a:endParaRPr lang="ko-KR" altLang="en-US" dirty="0"/>
+          </a:p>
+        </p:txBody>
+      </p:sp>
+      <p:sp>
+        <p:nvSpPr>
+          <p:cNvPr id="47" name="직사각형 46">
+            <a:extLst>
+              <a:ext uri="{FF2B5EF4-FFF2-40B4-BE49-F238E27FC236}">
+                <a16:creationId xmlns:a16="http://schemas.microsoft.com/office/drawing/2014/main" id="{DCA08233-8028-72E0-4F6B-EB9143A0D276}"/>
+              </a:ext>
+            </a:extLst>
+          </p:cNvPr>
+          <p:cNvSpPr/>
+          <p:nvPr/>
+        </p:nvSpPr>
+        <p:spPr>
+          <a:xfrm>
+            <a:off x="2403427" y="884673"/>
+            <a:ext cx="2787627" cy="314590"/>
+          </a:xfrm>
+          <a:prstGeom prst="rect">
+            <a:avLst/>
+          </a:prstGeom>
+        </p:spPr>
+        <p:style>
+          <a:lnRef idx="2">
+            <a:schemeClr val="accent1">
+              <a:shade val="50000"/>
+            </a:schemeClr>
+          </a:lnRef>
+          <a:fillRef idx="1">
+            <a:schemeClr val="accent1"/>
+          </a:fillRef>
+          <a:effectRef idx="0">
+            <a:schemeClr val="accent1"/>
+          </a:effectRef>
+          <a:fontRef idx="minor">
+            <a:schemeClr val="lt1"/>
+          </a:fontRef>
+        </p:style>
+        <p:txBody>
+          <a:bodyPr rtlCol="0" anchor="ctr"/>
+          <a:lstStyle/>
+          <a:p>
+            <a:pPr algn="ctr"/>
+            <a:r>
+              <a:rPr lang="ko-KR" altLang="en-US" dirty="0"/>
+              <a:t>해당 간격으로 적용</a:t>
+            </a:r>
+          </a:p>
+        </p:txBody>
+      </p:sp>
+      <p:sp>
+        <p:nvSpPr>
+          <p:cNvPr id="50" name="직사각형 49">
+            <a:extLst>
+              <a:ext uri="{FF2B5EF4-FFF2-40B4-BE49-F238E27FC236}">
+                <a16:creationId xmlns:a16="http://schemas.microsoft.com/office/drawing/2014/main" id="{4C77C78D-2B02-1B3C-9A44-13FD00F8B169}"/>
+              </a:ext>
+            </a:extLst>
+          </p:cNvPr>
+          <p:cNvSpPr/>
+          <p:nvPr/>
+        </p:nvSpPr>
+        <p:spPr>
+          <a:xfrm>
+            <a:off x="5231979" y="1925806"/>
+            <a:ext cx="1976742" cy="314590"/>
+          </a:xfrm>
+          <a:prstGeom prst="rect">
+            <a:avLst/>
+          </a:prstGeom>
+        </p:spPr>
+        <p:style>
+          <a:lnRef idx="2">
+            <a:schemeClr val="accent1">
+              <a:shade val="50000"/>
+            </a:schemeClr>
+          </a:lnRef>
+          <a:fillRef idx="1">
+            <a:schemeClr val="accent1"/>
+          </a:fillRef>
+          <a:effectRef idx="0">
+            <a:schemeClr val="accent1"/>
+          </a:effectRef>
+          <a:fontRef idx="minor">
+            <a:schemeClr val="lt1"/>
+          </a:fontRef>
+        </p:style>
+        <p:txBody>
+          <a:bodyPr rtlCol="0" anchor="ctr"/>
+          <a:lstStyle/>
+          <a:p>
+            <a:pPr algn="ctr"/>
+            <a:r>
+              <a:rPr lang="en-US" altLang="ko-KR" dirty="0"/>
+              <a:t>20</a:t>
+            </a:r>
+            <a:r>
+              <a:rPr lang="ko-KR" altLang="en-US" dirty="0"/>
+              <a:t>개 배치</a:t>
+            </a:r>
+          </a:p>
+        </p:txBody>
+      </p:sp>
+      <p:pic>
+        <p:nvPicPr>
+          <p:cNvPr id="55" name="그림 54">
+            <a:extLst>
+              <a:ext uri="{FF2B5EF4-FFF2-40B4-BE49-F238E27FC236}">
+                <a16:creationId xmlns:a16="http://schemas.microsoft.com/office/drawing/2014/main" id="{C1190436-D893-D91D-1451-6AE8C08FDF5F}"/>
+              </a:ext>
+            </a:extLst>
+          </p:cNvPr>
+          <p:cNvPicPr>
+            <a:picLocks noChangeAspect="1"/>
+          </p:cNvPicPr>
+          <p:nvPr/>
+        </p:nvPicPr>
+        <p:blipFill>
+          <a:blip r:embed="rId13">
+            <a:extLst>
+              <a:ext uri="{BEBA8EAE-BF5A-486C-A8C5-ECC9F3942E4B}">
+                <a14:imgProps xmlns:a14="http://schemas.microsoft.com/office/drawing/2010/main">
+                  <a14:imgLayer r:embed="rId14">
+                    <a14:imgEffect>
+                      <a14:backgroundRemoval t="5896" b="91837" l="9761" r="89687">
+                        <a14:foregroundMark x1="39411" y1="6122" x2="39411" y2="6122"/>
+                        <a14:foregroundMark x1="69797" y1="74830" x2="69797" y2="74830"/>
+                        <a14:foregroundMark x1="67772" y1="46485" x2="67772" y2="46485"/>
+                        <a14:foregroundMark x1="61694" y1="35601" x2="61694" y2="35601"/>
+                        <a14:foregroundMark x1="60958" y1="41950" x2="61326" y2="43311"/>
+                        <a14:foregroundMark x1="60589" y1="92063" x2="60589" y2="92063"/>
+                        <a14:foregroundMark x1="63168" y1="90023" x2="63168" y2="90023"/>
+                        <a14:foregroundMark x1="28177" y1="61224" x2="28177" y2="61224"/>
+                        <a14:foregroundMark x1="9761" y1="56236" x2="9761" y2="56236"/>
+                      </a14:backgroundRemoval>
+                    </a14:imgEffect>
+                  </a14:imgLayer>
+                </a14:imgProps>
+              </a:ext>
+            </a:extLst>
+          </a:blip>
+          <a:stretch>
+            <a:fillRect/>
+          </a:stretch>
+        </p:blipFill>
+        <p:spPr>
+          <a:xfrm>
+            <a:off x="1072219" y="1611981"/>
+            <a:ext cx="2041013" cy="1657618"/>
+          </a:xfrm>
+          <a:prstGeom prst="rect">
+            <a:avLst/>
+          </a:prstGeom>
+        </p:spPr>
+      </p:pic>
+      <p:pic>
+        <p:nvPicPr>
+          <p:cNvPr id="56" name="그림 55">
+            <a:extLst>
+              <a:ext uri="{FF2B5EF4-FFF2-40B4-BE49-F238E27FC236}">
+                <a16:creationId xmlns:a16="http://schemas.microsoft.com/office/drawing/2014/main" id="{C71CE3DB-B30A-6AE2-9A7B-5C4CC061EABF}"/>
+              </a:ext>
+            </a:extLst>
+          </p:cNvPr>
+          <p:cNvPicPr>
+            <a:picLocks noChangeAspect="1"/>
+          </p:cNvPicPr>
+          <p:nvPr/>
+        </p:nvPicPr>
+        <p:blipFill>
+          <a:blip r:embed="rId13">
+            <a:extLst>
+              <a:ext uri="{BEBA8EAE-BF5A-486C-A8C5-ECC9F3942E4B}">
+                <a14:imgProps xmlns:a14="http://schemas.microsoft.com/office/drawing/2010/main">
+                  <a14:imgLayer r:embed="rId14">
+                    <a14:imgEffect>
+                      <a14:backgroundRemoval t="5896" b="91837" l="9761" r="89687">
+                        <a14:foregroundMark x1="39411" y1="6122" x2="39411" y2="6122"/>
+                        <a14:foregroundMark x1="69797" y1="74830" x2="69797" y2="74830"/>
+                        <a14:foregroundMark x1="67772" y1="46485" x2="67772" y2="46485"/>
+                        <a14:foregroundMark x1="61694" y1="35601" x2="61694" y2="35601"/>
+                        <a14:foregroundMark x1="60958" y1="41950" x2="61326" y2="43311"/>
+                        <a14:foregroundMark x1="60589" y1="92063" x2="60589" y2="92063"/>
+                        <a14:foregroundMark x1="63168" y1="90023" x2="63168" y2="90023"/>
+                        <a14:foregroundMark x1="28177" y1="61224" x2="28177" y2="61224"/>
+                        <a14:foregroundMark x1="9761" y1="56236" x2="9761" y2="56236"/>
+                      </a14:backgroundRemoval>
+                    </a14:imgEffect>
+                  </a14:imgLayer>
+                </a14:imgProps>
+              </a:ext>
+            </a:extLst>
+          </a:blip>
+          <a:stretch>
+            <a:fillRect/>
+          </a:stretch>
+        </p:blipFill>
+        <p:spPr>
+          <a:xfrm>
+            <a:off x="980700" y="3423107"/>
+            <a:ext cx="2041013" cy="1657618"/>
+          </a:xfrm>
+          <a:prstGeom prst="rect">
+            <a:avLst/>
+          </a:prstGeom>
+        </p:spPr>
+      </p:pic>
+      <p:pic>
+        <p:nvPicPr>
+          <p:cNvPr id="57" name="그림 56">
+            <a:extLst>
+              <a:ext uri="{FF2B5EF4-FFF2-40B4-BE49-F238E27FC236}">
+                <a16:creationId xmlns:a16="http://schemas.microsoft.com/office/drawing/2014/main" id="{627912BC-3CC0-2FBF-4097-8A2C76C7643E}"/>
+              </a:ext>
+            </a:extLst>
+          </p:cNvPr>
+          <p:cNvPicPr>
+            <a:picLocks noChangeAspect="1"/>
+          </p:cNvPicPr>
+          <p:nvPr/>
+        </p:nvPicPr>
+        <p:blipFill>
+          <a:blip r:embed="rId13">
+            <a:extLst>
+              <a:ext uri="{BEBA8EAE-BF5A-486C-A8C5-ECC9F3942E4B}">
+                <a14:imgProps xmlns:a14="http://schemas.microsoft.com/office/drawing/2010/main">
+                  <a14:imgLayer r:embed="rId14">
+                    <a14:imgEffect>
+                      <a14:backgroundRemoval t="5896" b="91837" l="9761" r="89687">
+                        <a14:foregroundMark x1="39411" y1="6122" x2="39411" y2="6122"/>
+                        <a14:foregroundMark x1="69797" y1="74830" x2="69797" y2="74830"/>
+                        <a14:foregroundMark x1="67772" y1="46485" x2="67772" y2="46485"/>
+                        <a14:foregroundMark x1="61694" y1="35601" x2="61694" y2="35601"/>
+                        <a14:foregroundMark x1="60958" y1="41950" x2="61326" y2="43311"/>
+                        <a14:foregroundMark x1="60589" y1="92063" x2="60589" y2="92063"/>
+                        <a14:foregroundMark x1="63168" y1="90023" x2="63168" y2="90023"/>
+                        <a14:foregroundMark x1="28177" y1="61224" x2="28177" y2="61224"/>
+                        <a14:foregroundMark x1="9761" y1="56236" x2="9761" y2="56236"/>
+                      </a14:backgroundRemoval>
+                    </a14:imgEffect>
+                  </a14:imgLayer>
+                </a14:imgProps>
+              </a:ext>
+            </a:extLst>
+          </a:blip>
+          <a:stretch>
+            <a:fillRect/>
+          </a:stretch>
+        </p:blipFill>
+        <p:spPr>
+          <a:xfrm>
+            <a:off x="9460277" y="1407116"/>
+            <a:ext cx="2041013" cy="1657618"/>
+          </a:xfrm>
+          <a:prstGeom prst="rect">
+            <a:avLst/>
+          </a:prstGeom>
+        </p:spPr>
+      </p:pic>
+      <p:pic>
+        <p:nvPicPr>
+          <p:cNvPr id="58" name="그림 57">
+            <a:extLst>
+              <a:ext uri="{FF2B5EF4-FFF2-40B4-BE49-F238E27FC236}">
+                <a16:creationId xmlns:a16="http://schemas.microsoft.com/office/drawing/2014/main" id="{43EF87CD-D6F2-2991-6BFD-A92609406AAC}"/>
+              </a:ext>
+            </a:extLst>
+          </p:cNvPr>
+          <p:cNvPicPr>
+            <a:picLocks noChangeAspect="1"/>
+          </p:cNvPicPr>
+          <p:nvPr/>
+        </p:nvPicPr>
+        <p:blipFill>
+          <a:blip r:embed="rId13">
+            <a:extLst>
+              <a:ext uri="{BEBA8EAE-BF5A-486C-A8C5-ECC9F3942E4B}">
+                <a14:imgProps xmlns:a14="http://schemas.microsoft.com/office/drawing/2010/main">
+                  <a14:imgLayer r:embed="rId14">
+                    <a14:imgEffect>
+                      <a14:backgroundRemoval t="5896" b="91837" l="9761" r="89687">
+                        <a14:foregroundMark x1="39411" y1="6122" x2="39411" y2="6122"/>
+                        <a14:foregroundMark x1="69797" y1="74830" x2="69797" y2="74830"/>
+                        <a14:foregroundMark x1="67772" y1="46485" x2="67772" y2="46485"/>
+                        <a14:foregroundMark x1="61694" y1="35601" x2="61694" y2="35601"/>
+                        <a14:foregroundMark x1="60958" y1="41950" x2="61326" y2="43311"/>
+                        <a14:foregroundMark x1="60589" y1="92063" x2="60589" y2="92063"/>
+                        <a14:foregroundMark x1="63168" y1="90023" x2="63168" y2="90023"/>
+                        <a14:foregroundMark x1="28177" y1="61224" x2="28177" y2="61224"/>
+                        <a14:foregroundMark x1="9761" y1="56236" x2="9761" y2="56236"/>
+                      </a14:backgroundRemoval>
+                    </a14:imgEffect>
+                  </a14:imgLayer>
+                </a14:imgProps>
+              </a:ext>
+            </a:extLst>
+          </a:blip>
+          <a:stretch>
+            <a:fillRect/>
+          </a:stretch>
+        </p:blipFill>
+        <p:spPr>
+          <a:xfrm>
+            <a:off x="9349240" y="3524195"/>
+            <a:ext cx="2041013" cy="1657618"/>
+          </a:xfrm>
+          <a:prstGeom prst="rect">
+            <a:avLst/>
+          </a:prstGeom>
+        </p:spPr>
+      </p:pic>
+      <p:sp>
+        <p:nvSpPr>
+          <p:cNvPr id="59" name="직사각형 58">
+            <a:extLst>
+              <a:ext uri="{FF2B5EF4-FFF2-40B4-BE49-F238E27FC236}">
+                <a16:creationId xmlns:a16="http://schemas.microsoft.com/office/drawing/2014/main" id="{CF3D6EB1-3BDE-E0A9-D1EC-2AB39921984B}"/>
+              </a:ext>
+            </a:extLst>
+          </p:cNvPr>
+          <p:cNvSpPr/>
+          <p:nvPr/>
+        </p:nvSpPr>
+        <p:spPr>
+          <a:xfrm>
+            <a:off x="917113" y="1697835"/>
+            <a:ext cx="724578" cy="314590"/>
+          </a:xfrm>
+          <a:prstGeom prst="rect">
+            <a:avLst/>
+          </a:prstGeom>
+        </p:spPr>
+        <p:style>
+          <a:lnRef idx="2">
+            <a:schemeClr val="accent1">
+              <a:shade val="50000"/>
+            </a:schemeClr>
+          </a:lnRef>
+          <a:fillRef idx="1">
+            <a:schemeClr val="accent1"/>
+          </a:fillRef>
+          <a:effectRef idx="0">
+            <a:schemeClr val="accent1"/>
+          </a:effectRef>
+          <a:fontRef idx="minor">
+            <a:schemeClr val="lt1"/>
+          </a:fontRef>
+        </p:style>
+        <p:txBody>
+          <a:bodyPr rtlCol="0" anchor="ctr"/>
+          <a:lstStyle/>
+          <a:p>
+            <a:pPr algn="ctr"/>
+            <a:r>
+              <a:rPr lang="en-US" altLang="ko-KR" dirty="0"/>
+              <a:t>1.7m</a:t>
+            </a:r>
+            <a:endParaRPr lang="ko-KR" altLang="en-US" dirty="0"/>
+          </a:p>
+        </p:txBody>
+      </p:sp>
+      <p:sp>
+        <p:nvSpPr>
+          <p:cNvPr id="61" name="직사각형 60">
+            <a:extLst>
+              <a:ext uri="{FF2B5EF4-FFF2-40B4-BE49-F238E27FC236}">
+                <a16:creationId xmlns:a16="http://schemas.microsoft.com/office/drawing/2014/main" id="{37D62EDA-DBB2-14F0-5313-642A7523D314}"/>
+              </a:ext>
+            </a:extLst>
+          </p:cNvPr>
+          <p:cNvSpPr/>
+          <p:nvPr/>
+        </p:nvSpPr>
+        <p:spPr>
+          <a:xfrm>
+            <a:off x="10319371" y="3235339"/>
+            <a:ext cx="724578" cy="314590"/>
+          </a:xfrm>
+          <a:prstGeom prst="rect">
+            <a:avLst/>
+          </a:prstGeom>
+        </p:spPr>
+        <p:style>
+          <a:lnRef idx="2">
+            <a:schemeClr val="accent1">
+              <a:shade val="50000"/>
+            </a:schemeClr>
+          </a:lnRef>
+          <a:fillRef idx="1">
+            <a:schemeClr val="accent1"/>
+          </a:fillRef>
+          <a:effectRef idx="0">
+            <a:schemeClr val="accent1"/>
+          </a:effectRef>
+          <a:fontRef idx="minor">
+            <a:schemeClr val="lt1"/>
+          </a:fontRef>
+        </p:style>
+        <p:txBody>
+          <a:bodyPr rtlCol="0" anchor="ctr"/>
+          <a:lstStyle/>
+          <a:p>
+            <a:pPr algn="ctr"/>
+            <a:r>
+              <a:rPr lang="ko-KR" altLang="en-US" dirty="0"/>
+              <a:t>대칭</a:t>
+            </a:r>
+          </a:p>
+        </p:txBody>
+      </p:sp>
+      <p:sp>
+        <p:nvSpPr>
+          <p:cNvPr id="62" name="직사각형 61">
+            <a:extLst>
+              <a:ext uri="{FF2B5EF4-FFF2-40B4-BE49-F238E27FC236}">
+                <a16:creationId xmlns:a16="http://schemas.microsoft.com/office/drawing/2014/main" id="{450283B3-466C-961C-89BC-AAA1B95831A7}"/>
+              </a:ext>
+            </a:extLst>
+          </p:cNvPr>
+          <p:cNvSpPr/>
+          <p:nvPr/>
+        </p:nvSpPr>
+        <p:spPr>
+          <a:xfrm>
+            <a:off x="4166440" y="5143250"/>
+            <a:ext cx="3936426" cy="314590"/>
+          </a:xfrm>
+          <a:prstGeom prst="rect">
+            <a:avLst/>
+          </a:prstGeom>
+        </p:spPr>
+        <p:style>
+          <a:lnRef idx="2">
+            <a:schemeClr val="accent1">
+              <a:shade val="50000"/>
+            </a:schemeClr>
+          </a:lnRef>
+          <a:fillRef idx="1">
+            <a:schemeClr val="accent1"/>
+          </a:fillRef>
+          <a:effectRef idx="0">
+            <a:schemeClr val="accent1"/>
+          </a:effectRef>
+          <a:fontRef idx="minor">
+            <a:schemeClr val="lt1"/>
+          </a:fontRef>
+        </p:style>
+        <p:txBody>
+          <a:bodyPr rtlCol="0" anchor="ctr"/>
+          <a:lstStyle/>
+          <a:p>
+            <a:pPr algn="ctr"/>
+            <a:r>
+              <a:rPr lang="ko-KR" altLang="en-US" dirty="0"/>
+              <a:t>가랜드는 </a:t>
+            </a:r>
+            <a:r>
+              <a:rPr lang="en-US" altLang="ko-KR" dirty="0"/>
+              <a:t>3m</a:t>
+            </a:r>
+            <a:r>
+              <a:rPr lang="ko-KR" altLang="en-US" dirty="0"/>
+              <a:t> 상공에 </a:t>
+            </a:r>
+            <a:r>
+              <a:rPr lang="en-US" altLang="ko-KR" dirty="0"/>
+              <a:t>5m</a:t>
+            </a:r>
+            <a:r>
+              <a:rPr lang="ko-KR" altLang="en-US" dirty="0"/>
+              <a:t>당 적용</a:t>
+            </a:r>
+          </a:p>
+        </p:txBody>
+      </p:sp>
     </p:spTree>
     <p:extLst>
       <p:ext uri="{BB962C8B-B14F-4D97-AF65-F5344CB8AC3E}">
-        <p14:creationId xmlns:p14="http://schemas.microsoft.com/office/powerpoint/2010/main" val="3862910198"/>
+        <p14:creationId xmlns:p14="http://schemas.microsoft.com/office/powerpoint/2010/main" val="1892592591"/>
       </p:ext>
     </p:extLst>
   </p:cSld>
@@ -3088,200 +4908,6 @@
           <a:chExt cx="0" cy="0"/>
         </a:xfrm>
       </p:grpSpPr>
-      <p:pic>
-        <p:nvPicPr>
-          <p:cNvPr id="2" name="그림 1"/>
-          <p:cNvPicPr>
-            <a:picLocks noChangeAspect="1"/>
-          </p:cNvPicPr>
-          <p:nvPr/>
-        </p:nvPicPr>
-        <p:blipFill>
-          <a:blip r:embed="rId2"/>
-          <a:stretch>
-            <a:fillRect/>
-          </a:stretch>
-        </p:blipFill>
-        <p:spPr>
-          <a:xfrm>
-            <a:off x="799361" y="999786"/>
-            <a:ext cx="10593278" cy="4858428"/>
-          </a:xfrm>
-          <a:prstGeom prst="rect">
-            <a:avLst/>
-          </a:prstGeom>
-        </p:spPr>
-      </p:pic>
-    </p:spTree>
-    <p:extLst>
-      <p:ext uri="{BB962C8B-B14F-4D97-AF65-F5344CB8AC3E}">
-        <p14:creationId xmlns:p14="http://schemas.microsoft.com/office/powerpoint/2010/main" val="2436453046"/>
-      </p:ext>
-    </p:extLst>
-  </p:cSld>
-  <p:clrMapOvr>
-    <a:masterClrMapping/>
-  </p:clrMapOvr>
-</p:sld>
-</file>
-
-<file path=ppt/slides/slide4.xml><?xml version="1.0" encoding="utf-8"?>
-<p:sld xmlns:a="http://schemas.openxmlformats.org/drawingml/2006/main" xmlns:r="http://schemas.openxmlformats.org/officeDocument/2006/relationships" xmlns:p="http://schemas.openxmlformats.org/presentationml/2006/main">
-  <p:cSld>
-    <p:spTree>
-      <p:nvGrpSpPr>
-        <p:cNvPr id="1" name=""/>
-        <p:cNvGrpSpPr/>
-        <p:nvPr/>
-      </p:nvGrpSpPr>
-      <p:grpSpPr>
-        <a:xfrm>
-          <a:off x="0" y="0"/>
-          <a:ext cx="0" cy="0"/>
-          <a:chOff x="0" y="0"/>
-          <a:chExt cx="0" cy="0"/>
-        </a:xfrm>
-      </p:grpSpPr>
-      <p:sp>
-        <p:nvSpPr>
-          <p:cNvPr id="2" name="직사각형 1"/>
-          <p:cNvSpPr/>
-          <p:nvPr/>
-        </p:nvSpPr>
-        <p:spPr>
-          <a:xfrm>
-            <a:off x="3048000" y="2274838"/>
-            <a:ext cx="6096000" cy="2585323"/>
-          </a:xfrm>
-          <a:prstGeom prst="rect">
-            <a:avLst/>
-          </a:prstGeom>
-        </p:spPr>
-        <p:txBody>
-          <a:bodyPr>
-            <a:spAutoFit/>
-          </a:bodyPr>
-          <a:lstStyle/>
-          <a:p>
-            <a:r>
-              <a:rPr lang="ko-KR" altLang="en-US" dirty="0"/>
-              <a:t>4스테이지</a:t>
-            </a:r>
-          </a:p>
-          <a:p>
-            <a:r>
-              <a:rPr lang="ko-KR" altLang="en-US" dirty="0"/>
-              <a:t>영화관: </a:t>
-            </a:r>
-            <a:r>
-              <a:rPr lang="ko-KR" altLang="en-US" dirty="0" err="1"/>
-              <a:t>수장시키는</a:t>
-            </a:r>
-            <a:r>
-              <a:rPr lang="ko-KR" altLang="en-US" dirty="0"/>
-              <a:t> </a:t>
-            </a:r>
-            <a:r>
-              <a:rPr lang="ko-KR" altLang="en-US" dirty="0" err="1"/>
-              <a:t>VPS연출</a:t>
-            </a:r>
-            <a:r>
-              <a:rPr lang="ko-KR" altLang="en-US" dirty="0"/>
-              <a:t>/ 나는 바다생물 </a:t>
-            </a:r>
-            <a:r>
-              <a:rPr lang="ko-KR" altLang="en-US" dirty="0" err="1"/>
-              <a:t>처럼</a:t>
-            </a:r>
-            <a:r>
-              <a:rPr lang="ko-KR" altLang="en-US" dirty="0"/>
-              <a:t> 어디든 갈 수 있는 자유로운 존재가 </a:t>
-            </a:r>
-            <a:r>
-              <a:rPr lang="ko-KR" altLang="en-US" dirty="0" err="1"/>
-              <a:t>되고싶고</a:t>
-            </a:r>
-            <a:r>
-              <a:rPr lang="ko-KR" altLang="en-US" dirty="0"/>
-              <a:t> 한국이 그런 곳처럼 느껴졌다고 말함</a:t>
-            </a:r>
-          </a:p>
-          <a:p>
-            <a:r>
-              <a:rPr lang="ko-KR" altLang="en-US" dirty="0" err="1"/>
-              <a:t>쭈꾸미거리</a:t>
-            </a:r>
-            <a:r>
-              <a:rPr lang="ko-KR" altLang="en-US" dirty="0"/>
-              <a:t>: 방명록/ 아버지가 어두운 과거를 거쳐간 곳이지만 난 </a:t>
-            </a:r>
-            <a:r>
-              <a:rPr lang="ko-KR" altLang="en-US" dirty="0" err="1"/>
-              <a:t>새역사를</a:t>
-            </a:r>
-            <a:r>
-              <a:rPr lang="ko-KR" altLang="en-US" dirty="0"/>
-              <a:t> 쓰겠다고 말함</a:t>
-            </a:r>
-          </a:p>
-          <a:p>
-            <a:r>
-              <a:rPr lang="ko-KR" altLang="en-US" dirty="0" err="1"/>
-              <a:t>베스킨라빈스</a:t>
-            </a:r>
-            <a:r>
-              <a:rPr lang="ko-KR" altLang="en-US" dirty="0"/>
-              <a:t>: 취향 고르기/ </a:t>
-            </a:r>
-            <a:r>
-              <a:rPr lang="ko-KR" altLang="en-US" dirty="0" err="1"/>
-              <a:t>후식먹으러감</a:t>
-            </a:r>
-            <a:r>
-              <a:rPr lang="ko-KR" altLang="en-US" dirty="0"/>
-              <a:t> 그리고 뭔가 하고싶다고 말하는데</a:t>
-            </a:r>
-            <a:r>
-              <a:rPr lang="ko-KR" altLang="en-US" dirty="0" smtClean="0"/>
-              <a:t>....</a:t>
-            </a:r>
-            <a:endParaRPr lang="en-US" altLang="ko-KR" dirty="0" smtClean="0"/>
-          </a:p>
-          <a:p>
-            <a:endParaRPr lang="ko-KR" altLang="en-US" dirty="0"/>
-          </a:p>
-        </p:txBody>
-      </p:sp>
-    </p:spTree>
-    <p:extLst>
-      <p:ext uri="{BB962C8B-B14F-4D97-AF65-F5344CB8AC3E}">
-        <p14:creationId xmlns:p14="http://schemas.microsoft.com/office/powerpoint/2010/main" val="1447761192"/>
-      </p:ext>
-    </p:extLst>
-  </p:cSld>
-  <p:clrMapOvr>
-    <a:masterClrMapping/>
-  </p:clrMapOvr>
-</p:sld>
-</file>
-
-<file path=ppt/slides/slide5.xml><?xml version="1.0" encoding="utf-8"?>
-<p:sld xmlns:a="http://schemas.openxmlformats.org/drawingml/2006/main" xmlns:r="http://schemas.openxmlformats.org/officeDocument/2006/relationships" xmlns:p="http://schemas.openxmlformats.org/presentationml/2006/main">
-  <p:cSld>
-    <p:spTree>
-      <p:nvGrpSpPr>
-        <p:cNvPr id="1" name=""/>
-        <p:cNvGrpSpPr/>
-        <p:nvPr/>
-      </p:nvGrpSpPr>
-      <p:grpSpPr>
-        <a:xfrm>
-          <a:off x="0" y="0"/>
-          <a:ext cx="0" cy="0"/>
-          <a:chOff x="0" y="0"/>
-          <a:chExt cx="0" cy="0"/>
-        </a:xfrm>
-      </p:grpSpPr>
       <p:sp>
         <p:nvSpPr>
           <p:cNvPr id="2" name="직사각형 1"/>
@@ -3367,7 +4993,7 @@
 </p:sld>
 </file>
 
-<file path=ppt/slides/slide6.xml><?xml version="1.0" encoding="utf-8"?>
+<file path=ppt/slides/slide4.xml><?xml version="1.0" encoding="utf-8"?>
 <p:sld xmlns:a="http://schemas.openxmlformats.org/drawingml/2006/main" xmlns:r="http://schemas.openxmlformats.org/officeDocument/2006/relationships" xmlns:p="http://schemas.openxmlformats.org/presentationml/2006/main">
   <p:cSld>
     <p:spTree>
